--- a/Slides/Wk5Day2-Fragments.pptx
+++ b/Slides/Wk5Day2-Fragments.pptx
@@ -5,7 +5,7 @@
     <p:sldMasterId id="2147483797" r:id="rId1"/>
   </p:sldMasterIdLst>
   <p:notesMasterIdLst>
-    <p:notesMasterId r:id="rId23"/>
+    <p:notesMasterId r:id="rId25"/>
   </p:notesMasterIdLst>
   <p:sldIdLst>
     <p:sldId id="256" r:id="rId2"/>
@@ -15,20 +15,22 @@
     <p:sldId id="281" r:id="rId6"/>
     <p:sldId id="282" r:id="rId7"/>
     <p:sldId id="280" r:id="rId8"/>
-    <p:sldId id="283" r:id="rId9"/>
-    <p:sldId id="284" r:id="rId10"/>
-    <p:sldId id="286" r:id="rId11"/>
-    <p:sldId id="285" r:id="rId12"/>
-    <p:sldId id="288" r:id="rId13"/>
-    <p:sldId id="290" r:id="rId14"/>
-    <p:sldId id="291" r:id="rId15"/>
-    <p:sldId id="287" r:id="rId16"/>
-    <p:sldId id="289" r:id="rId17"/>
-    <p:sldId id="292" r:id="rId18"/>
-    <p:sldId id="293" r:id="rId19"/>
-    <p:sldId id="294" r:id="rId20"/>
-    <p:sldId id="295" r:id="rId21"/>
-    <p:sldId id="296" r:id="rId22"/>
+    <p:sldId id="298" r:id="rId9"/>
+    <p:sldId id="283" r:id="rId10"/>
+    <p:sldId id="284" r:id="rId11"/>
+    <p:sldId id="286" r:id="rId12"/>
+    <p:sldId id="285" r:id="rId13"/>
+    <p:sldId id="297" r:id="rId14"/>
+    <p:sldId id="288" r:id="rId15"/>
+    <p:sldId id="290" r:id="rId16"/>
+    <p:sldId id="291" r:id="rId17"/>
+    <p:sldId id="287" r:id="rId18"/>
+    <p:sldId id="289" r:id="rId19"/>
+    <p:sldId id="292" r:id="rId20"/>
+    <p:sldId id="293" r:id="rId21"/>
+    <p:sldId id="294" r:id="rId22"/>
+    <p:sldId id="295" r:id="rId23"/>
+    <p:sldId id="296" r:id="rId24"/>
   </p:sldIdLst>
   <p:sldSz cx="9144000" cy="6858000" type="screen4x3"/>
   <p:notesSz cx="6858000" cy="9144000"/>
@@ -143,10 +145,12 @@
             <p14:sldId id="281"/>
             <p14:sldId id="282"/>
             <p14:sldId id="280"/>
+            <p14:sldId id="298"/>
             <p14:sldId id="283"/>
             <p14:sldId id="284"/>
             <p14:sldId id="286"/>
             <p14:sldId id="285"/>
+            <p14:sldId id="297"/>
             <p14:sldId id="288"/>
             <p14:sldId id="290"/>
             <p14:sldId id="291"/>
@@ -3328,7 +3332,7 @@
           <a:p>
             <a:fld id="{59B6F58A-1DC9-9140-A6F1-5CAF629CE03F}" type="datetimeFigureOut">
               <a:rPr lang="en-US" smtClean="0"/>
-              <a:t>2/5/18</a:t>
+              <a:t>2/7/18</a:t>
             </a:fld>
             <a:endParaRPr lang="en-US"/>
           </a:p>
@@ -3781,7 +3785,7 @@
           <a:p>
             <a:fld id="{7CE38E4D-051A-41E1-86A4-E56916468FD0}" type="datetimeFigureOut">
               <a:rPr lang="en-US" smtClean="0"/>
-              <a:t>2/5/18</a:t>
+              <a:t>2/7/18</a:t>
             </a:fld>
             <a:endParaRPr lang="en-US"/>
           </a:p>
@@ -3946,7 +3950,7 @@
           <a:p>
             <a:fld id="{7CE38E4D-051A-41E1-86A4-E56916468FD0}" type="datetimeFigureOut">
               <a:rPr lang="en-US" smtClean="0"/>
-              <a:t>2/5/18</a:t>
+              <a:t>2/7/18</a:t>
             </a:fld>
             <a:endParaRPr lang="en-US"/>
           </a:p>
@@ -4121,7 +4125,7 @@
           <a:p>
             <a:fld id="{7CE38E4D-051A-41E1-86A4-E56916468FD0}" type="datetimeFigureOut">
               <a:rPr lang="en-US" smtClean="0"/>
-              <a:t>2/5/18</a:t>
+              <a:t>2/7/18</a:t>
             </a:fld>
             <a:endParaRPr lang="en-US"/>
           </a:p>
@@ -4286,7 +4290,7 @@
           <a:p>
             <a:fld id="{7CE38E4D-051A-41E1-86A4-E56916468FD0}" type="datetimeFigureOut">
               <a:rPr lang="en-US" smtClean="0"/>
-              <a:t>2/5/18</a:t>
+              <a:t>2/7/18</a:t>
             </a:fld>
             <a:endParaRPr lang="en-US"/>
           </a:p>
@@ -4525,7 +4529,7 @@
           <a:p>
             <a:fld id="{7CE38E4D-051A-41E1-86A4-E56916468FD0}" type="datetimeFigureOut">
               <a:rPr lang="en-US" smtClean="0"/>
-              <a:t>2/5/18</a:t>
+              <a:t>2/7/18</a:t>
             </a:fld>
             <a:endParaRPr lang="en-US"/>
           </a:p>
@@ -4808,7 +4812,7 @@
           <a:p>
             <a:fld id="{7CE38E4D-051A-41E1-86A4-E56916468FD0}" type="datetimeFigureOut">
               <a:rPr lang="en-US" smtClean="0"/>
-              <a:t>2/5/18</a:t>
+              <a:t>2/7/18</a:t>
             </a:fld>
             <a:endParaRPr lang="en-US"/>
           </a:p>
@@ -5225,7 +5229,7 @@
           <a:p>
             <a:fld id="{7CE38E4D-051A-41E1-86A4-E56916468FD0}" type="datetimeFigureOut">
               <a:rPr lang="en-US" smtClean="0"/>
-              <a:t>2/5/18</a:t>
+              <a:t>2/7/18</a:t>
             </a:fld>
             <a:endParaRPr lang="en-US"/>
           </a:p>
@@ -5338,7 +5342,7 @@
           <a:p>
             <a:fld id="{7CE38E4D-051A-41E1-86A4-E56916468FD0}" type="datetimeFigureOut">
               <a:rPr lang="en-US" smtClean="0"/>
-              <a:t>2/5/18</a:t>
+              <a:t>2/7/18</a:t>
             </a:fld>
             <a:endParaRPr lang="en-US"/>
           </a:p>
@@ -5428,7 +5432,7 @@
           <a:p>
             <a:fld id="{7CE38E4D-051A-41E1-86A4-E56916468FD0}" type="datetimeFigureOut">
               <a:rPr lang="en-US" smtClean="0"/>
-              <a:t>2/5/18</a:t>
+              <a:t>2/7/18</a:t>
             </a:fld>
             <a:endParaRPr lang="en-US"/>
           </a:p>
@@ -5707,7 +5711,7 @@
           <a:p>
             <a:fld id="{7CE38E4D-051A-41E1-86A4-E56916468FD0}" type="datetimeFigureOut">
               <a:rPr lang="en-US" smtClean="0"/>
-              <a:t>2/5/18</a:t>
+              <a:t>2/7/18</a:t>
             </a:fld>
             <a:endParaRPr lang="en-US"/>
           </a:p>
@@ -5966,7 +5970,7 @@
           <a:p>
             <a:fld id="{7CE38E4D-051A-41E1-86A4-E56916468FD0}" type="datetimeFigureOut">
               <a:rPr lang="en-US" smtClean="0"/>
-              <a:t>2/5/18</a:t>
+              <a:t>2/7/18</a:t>
             </a:fld>
             <a:endParaRPr lang="en-US"/>
           </a:p>
@@ -6174,7 +6178,7 @@
           <a:p>
             <a:fld id="{7CE38E4D-051A-41E1-86A4-E56916468FD0}" type="datetimeFigureOut">
               <a:rPr lang="en-US" smtClean="0"/>
-              <a:t>2/5/18</a:t>
+              <a:t>2/7/18</a:t>
             </a:fld>
             <a:endParaRPr lang="en-US"/>
           </a:p>
@@ -6724,7 +6728,6 @@
               <a:rPr lang="en-US" dirty="0" smtClean="0"/>
               <a:t>Winter 2018</a:t>
             </a:r>
-            <a:endParaRPr lang="en-US" dirty="0" smtClean="0"/>
           </a:p>
           <a:p>
             <a:pPr algn="ctr"/>
@@ -6789,7 +6792,7 @@
           <a:p>
             <a:r>
               <a:rPr lang="en-US" dirty="0" smtClean="0"/>
-              <a:t>Small Screen</a:t>
+              <a:t>Mission</a:t>
             </a:r>
             <a:endParaRPr lang="en-US" dirty="0"/>
           </a:p>
@@ -6807,82 +6810,16 @@
         </p:nvSpPr>
         <p:spPr/>
         <p:txBody>
-          <a:bodyPr>
-            <a:normAutofit fontScale="77500" lnSpcReduction="20000"/>
-          </a:bodyPr>
+          <a:bodyPr/>
           <a:lstStyle/>
           <a:p>
             <a:pPr marL="0" indent="0">
               <a:buNone/>
             </a:pPr>
             <a:r>
-              <a:rPr lang="en-US" dirty="0"/>
-              <a:t>Steps to </a:t>
-            </a:r>
-            <a:r>
               <a:rPr lang="en-US" dirty="0" smtClean="0"/>
-              <a:t>set up the app to use Fragments on a small screen:</a:t>
-            </a:r>
-            <a:endParaRPr lang="en-US" dirty="0"/>
-          </a:p>
-          <a:p>
-            <a:r>
-              <a:rPr lang="en-US" dirty="0"/>
-              <a:t>Declare two Fragment </a:t>
-            </a:r>
-            <a:r>
-              <a:rPr lang="en-US" dirty="0" smtClean="0"/>
-              <a:t>classes</a:t>
-            </a:r>
-            <a:endParaRPr lang="en-US" dirty="0"/>
-          </a:p>
-          <a:p>
-            <a:r>
-              <a:rPr lang="en-US" dirty="0"/>
-              <a:t>Make a UI layout for each fragment</a:t>
-            </a:r>
-          </a:p>
-          <a:p>
-            <a:r>
-              <a:rPr lang="en-US" dirty="0"/>
-              <a:t>Make an layout </a:t>
-            </a:r>
-            <a:r>
-              <a:rPr lang="en-US" dirty="0" smtClean="0"/>
-              <a:t>with a fragment element for each Activity</a:t>
-            </a:r>
-            <a:endParaRPr lang="en-US" dirty="0"/>
-          </a:p>
-          <a:p>
-            <a:r>
-              <a:rPr lang="en-US" dirty="0"/>
-              <a:t>Put </a:t>
-            </a:r>
-            <a:r>
-              <a:rPr lang="en-US" dirty="0" smtClean="0"/>
-              <a:t>both Activity’s layouts </a:t>
-            </a:r>
-            <a:r>
-              <a:rPr lang="en-US" dirty="0"/>
-              <a:t>in a folder named </a:t>
-            </a:r>
-            <a:r>
-              <a:rPr lang="en-US" i="1" dirty="0"/>
-              <a:t>layout</a:t>
-            </a:r>
-            <a:r>
-              <a:rPr lang="en-US" i="1" dirty="0" smtClean="0"/>
-              <a:t>-small</a:t>
-            </a:r>
-            <a:endParaRPr lang="en-US" i="1" dirty="0"/>
-          </a:p>
-          <a:p>
-            <a:r>
-              <a:rPr lang="en-US" dirty="0"/>
-              <a:t>Add code to inflate the UI in the OnCreateView method of each Fragment class</a:t>
-            </a:r>
-          </a:p>
-          <a:p>
+              <a:t>Modify the MathFlashCards project (which currently has two activities) to adapt to devices with both large and small screens.</a:t>
+            </a:r>
             <a:endParaRPr lang="en-US" dirty="0"/>
           </a:p>
         </p:txBody>
@@ -6890,7 +6827,7 @@
     </p:spTree>
     <p:extLst>
       <p:ext uri="{BB962C8B-B14F-4D97-AF65-F5344CB8AC3E}">
-        <p14:creationId xmlns:p14="http://schemas.microsoft.com/office/powerpoint/2010/main" val="1033588090"/>
+        <p14:creationId xmlns:p14="http://schemas.microsoft.com/office/powerpoint/2010/main" val="4202648703"/>
       </p:ext>
     </p:extLst>
   </p:cSld>
@@ -6929,14 +6866,12 @@
         </p:nvSpPr>
         <p:spPr/>
         <p:txBody>
-          <a:bodyPr>
-            <a:normAutofit/>
-          </a:bodyPr>
+          <a:bodyPr/>
           <a:lstStyle/>
           <a:p>
             <a:r>
               <a:rPr lang="en-US" dirty="0" smtClean="0"/>
-              <a:t>Large Screen</a:t>
+              <a:t>Small Screen</a:t>
             </a:r>
             <a:endParaRPr lang="en-US" dirty="0"/>
           </a:p>
@@ -6955,7 +6890,7 @@
         <p:spPr/>
         <p:txBody>
           <a:bodyPr>
-            <a:normAutofit lnSpcReduction="10000"/>
+            <a:normAutofit fontScale="77500" lnSpcReduction="20000"/>
           </a:bodyPr>
           <a:lstStyle/>
           <a:p>
@@ -6964,48 +6899,50 @@
             </a:pPr>
             <a:r>
               <a:rPr lang="en-US" dirty="0"/>
-              <a:t>Steps to set up the app to use Fragments </a:t>
+              <a:t>Steps to </a:t>
             </a:r>
             <a:r>
               <a:rPr lang="en-US" dirty="0" smtClean="0"/>
-              <a:t>on a </a:t>
-            </a:r>
+              <a:t>set up the app to use Fragments on a small screen:</a:t>
+            </a:r>
+            <a:endParaRPr lang="en-US" dirty="0"/>
+          </a:p>
+          <a:p>
             <a:r>
               <a:rPr lang="en-US" dirty="0"/>
-              <a:t>small </a:t>
+              <a:t>Declare two Fragment </a:t>
             </a:r>
             <a:r>
               <a:rPr lang="en-US" dirty="0" smtClean="0"/>
-              <a:t>large:</a:t>
+              <a:t>classes</a:t>
             </a:r>
             <a:endParaRPr lang="en-US" dirty="0"/>
           </a:p>
           <a:p>
             <a:r>
+              <a:rPr lang="en-US" dirty="0"/>
+              <a:t>Make a UI layout for each fragment</a:t>
+            </a:r>
+          </a:p>
+          <a:p>
+            <a:r>
+              <a:rPr lang="en-US" dirty="0"/>
+              <a:t>Make an layout </a:t>
+            </a:r>
+            <a:r>
               <a:rPr lang="en-US" dirty="0" smtClean="0"/>
-              <a:t>Make </a:t>
-            </a:r>
+              <a:t>with a fragment element for each Activity</a:t>
+            </a:r>
+            <a:endParaRPr lang="en-US" dirty="0"/>
+          </a:p>
+          <a:p>
             <a:r>
               <a:rPr lang="en-US" dirty="0"/>
-              <a:t>an </a:t>
+              <a:t>Put </a:t>
             </a:r>
             <a:r>
               <a:rPr lang="en-US" dirty="0" smtClean="0"/>
-              <a:t>layout for the main Activity </a:t>
-            </a:r>
-            <a:r>
-              <a:rPr lang="en-US" dirty="0"/>
-              <a:t>with </a:t>
-            </a:r>
-            <a:r>
-              <a:rPr lang="en-US" dirty="0" smtClean="0"/>
-              <a:t>two fragment elements</a:t>
-            </a:r>
-          </a:p>
-          <a:p>
-            <a:r>
-              <a:rPr lang="en-US" dirty="0" smtClean="0"/>
-              <a:t>Put the Activity’s layout </a:t>
+              <a:t>both Activity’s layouts </a:t>
             </a:r>
             <a:r>
               <a:rPr lang="en-US" dirty="0"/>
@@ -7017,16 +6954,25 @@
             </a:r>
             <a:r>
               <a:rPr lang="en-US" i="1" dirty="0" smtClean="0"/>
-              <a:t>-large</a:t>
+              <a:t>-small</a:t>
             </a:r>
             <a:endParaRPr lang="en-US" i="1" dirty="0"/>
+          </a:p>
+          <a:p>
+            <a:r>
+              <a:rPr lang="en-US" dirty="0"/>
+              <a:t>Add code to inflate the UI in the OnCreateView method of each Fragment class</a:t>
+            </a:r>
+          </a:p>
+          <a:p>
+            <a:endParaRPr lang="en-US" dirty="0"/>
           </a:p>
         </p:txBody>
       </p:sp>
     </p:spTree>
     <p:extLst>
       <p:ext uri="{BB962C8B-B14F-4D97-AF65-F5344CB8AC3E}">
-        <p14:creationId xmlns:p14="http://schemas.microsoft.com/office/powerpoint/2010/main" val="1967356586"/>
+        <p14:creationId xmlns:p14="http://schemas.microsoft.com/office/powerpoint/2010/main" val="1033588090"/>
       </p:ext>
     </p:extLst>
   </p:cSld>
@@ -7065,40 +7011,104 @@
         </p:nvSpPr>
         <p:spPr/>
         <p:txBody>
-          <a:bodyPr/>
+          <a:bodyPr>
+            <a:normAutofit/>
+          </a:bodyPr>
           <a:lstStyle/>
           <a:p>
             <a:r>
               <a:rPr lang="en-US" dirty="0" smtClean="0"/>
-              <a:t>Activity and Fragment Classes</a:t>
+              <a:t>Large Screen</a:t>
             </a:r>
             <a:endParaRPr lang="en-US" dirty="0"/>
           </a:p>
         </p:txBody>
       </p:sp>
-      <p:pic>
-        <p:nvPicPr>
-          <p:cNvPr id="4" name="Content Placeholder 3"/>
-          <p:cNvPicPr>
-            <a:picLocks noGrp="1" noChangeAspect="1"/>
-          </p:cNvPicPr>
+      <p:sp>
+        <p:nvSpPr>
+          <p:cNvPr id="3" name="Content Placeholder 2"/>
+          <p:cNvSpPr>
+            <a:spLocks noGrp="1"/>
+          </p:cNvSpPr>
           <p:nvPr>
             <p:ph idx="1"/>
           </p:nvPr>
-        </p:nvPicPr>
-        <p:blipFill>
-          <a:blip r:embed="rId2"/>
-          <a:srcRect l="-25763" r="-25763"/>
-          <a:stretch>
-            <a:fillRect/>
-          </a:stretch>
-        </p:blipFill>
+        </p:nvSpPr>
         <p:spPr/>
-      </p:pic>
+        <p:txBody>
+          <a:bodyPr>
+            <a:normAutofit lnSpcReduction="10000"/>
+          </a:bodyPr>
+          <a:lstStyle/>
+          <a:p>
+            <a:pPr marL="0" indent="0">
+              <a:buNone/>
+            </a:pPr>
+            <a:r>
+              <a:rPr lang="en-US" dirty="0"/>
+              <a:t>Steps to set up the app to use Fragments </a:t>
+            </a:r>
+            <a:r>
+              <a:rPr lang="en-US" dirty="0" smtClean="0"/>
+              <a:t>on a </a:t>
+            </a:r>
+            <a:r>
+              <a:rPr lang="en-US" dirty="0"/>
+              <a:t>small </a:t>
+            </a:r>
+            <a:r>
+              <a:rPr lang="en-US" dirty="0" smtClean="0"/>
+              <a:t>large:</a:t>
+            </a:r>
+            <a:endParaRPr lang="en-US" dirty="0"/>
+          </a:p>
+          <a:p>
+            <a:r>
+              <a:rPr lang="en-US" dirty="0" smtClean="0"/>
+              <a:t>Make </a:t>
+            </a:r>
+            <a:r>
+              <a:rPr lang="en-US" dirty="0"/>
+              <a:t>an </a:t>
+            </a:r>
+            <a:r>
+              <a:rPr lang="en-US" dirty="0" smtClean="0"/>
+              <a:t>layout for the main Activity </a:t>
+            </a:r>
+            <a:r>
+              <a:rPr lang="en-US" dirty="0"/>
+              <a:t>with </a:t>
+            </a:r>
+            <a:r>
+              <a:rPr lang="en-US" dirty="0" smtClean="0"/>
+              <a:t>two fragment elements</a:t>
+            </a:r>
+          </a:p>
+          <a:p>
+            <a:r>
+              <a:rPr lang="en-US" dirty="0" smtClean="0"/>
+              <a:t>Put the Activity’s layout </a:t>
+            </a:r>
+            <a:r>
+              <a:rPr lang="en-US" dirty="0"/>
+              <a:t>in a folder named </a:t>
+            </a:r>
+            <a:r>
+              <a:rPr lang="en-US" i="1" dirty="0"/>
+              <a:t>layout</a:t>
+            </a:r>
+            <a:r>
+              <a:rPr lang="en-US" i="1" dirty="0" smtClean="0"/>
+              <a:t>-large</a:t>
+            </a:r>
+            <a:endParaRPr lang="en-US" i="1" dirty="0"/>
+          </a:p>
+        </p:txBody>
+      </p:sp>
     </p:spTree>
     <p:extLst>
       <p:ext uri="{BB962C8B-B14F-4D97-AF65-F5344CB8AC3E}">
-        <p14:creationId xmlns:p14="http://schemas.microsoft.com/office/powerpoint/2010/main" val="3228367607"/>
+        <p14:creationId xmlns:p14="http://schemas.microsoft.com/office/powerpoint/2010/main" val="1967356586"/>
       </p:ext>
     </p:extLst>
   </p:cSld>
@@ -7138,255 +7148,51 @@
         <p:spPr/>
         <p:txBody>
           <a:bodyPr>
-            <a:normAutofit fontScale="90000"/>
+            <a:normAutofit/>
           </a:bodyPr>
           <a:lstStyle/>
           <a:p>
             <a:r>
               <a:rPr lang="en-US" dirty="0" smtClean="0"/>
-              <a:t>Activity Layout for Large Screen</a:t>
+              <a:t>Large Screen</a:t>
             </a:r>
             <a:endParaRPr lang="en-US" dirty="0"/>
           </a:p>
         </p:txBody>
       </p:sp>
-      <p:sp>
-        <p:nvSpPr>
-          <p:cNvPr id="3" name="Content Placeholder 2"/>
-          <p:cNvSpPr>
-            <a:spLocks noGrp="1"/>
-          </p:cNvSpPr>
+      <p:pic>
+        <p:nvPicPr>
+          <p:cNvPr id="4" name="Content Placeholder 3"/>
+          <p:cNvPicPr>
+            <a:picLocks noGrp="1" noChangeAspect="1"/>
+          </p:cNvPicPr>
           <p:nvPr>
             <p:ph idx="1"/>
           </p:nvPr>
-        </p:nvSpPr>
+        </p:nvPicPr>
+        <p:blipFill>
+          <a:blip r:embed="rId2">
+            <a:extLst>
+              <a:ext uri="{28A0092B-C50C-407E-A947-70E740481C1C}">
+                <a14:useLocalDpi xmlns:a14="http://schemas.microsoft.com/office/drawing/2010/main" val="0"/>
+              </a:ext>
+            </a:extLst>
+          </a:blip>
+          <a:stretch>
+            <a:fillRect/>
+          </a:stretch>
+        </p:blipFill>
         <p:spPr>
           <a:xfrm>
-            <a:off x="457200" y="1414464"/>
-            <a:ext cx="8229600" cy="5072062"/>
+            <a:off x="548922" y="1600200"/>
+            <a:ext cx="8046156" cy="4525963"/>
           </a:xfrm>
         </p:spPr>
-        <p:txBody>
-          <a:bodyPr>
-            <a:noAutofit/>
-          </a:bodyPr>
-          <a:lstStyle/>
-          <a:p>
-            <a:pPr marL="0" indent="0">
-              <a:buNone/>
-            </a:pPr>
-            <a:r>
-              <a:rPr lang="en-US" sz="1200" dirty="0">
-                <a:latin typeface="Courier"/>
-              </a:rPr>
-              <a:t>&lt;?xml version="1.0" encoding="utf-8"?&gt;</a:t>
-            </a:r>
-            <a:br>
-              <a:rPr lang="en-US" sz="1200" dirty="0">
-                <a:latin typeface="Courier"/>
-              </a:rPr>
-            </a:br>
-            <a:r>
-              <a:rPr lang="en-US" sz="1200" dirty="0">
-                <a:latin typeface="Courier"/>
-              </a:rPr>
-              <a:t>&lt;LinearLayout xmlns:android="http://schemas.android.com/</a:t>
-            </a:r>
-            <a:r>
-              <a:rPr lang="en-US" sz="1200" dirty="0" err="1">
-                <a:latin typeface="Courier"/>
-              </a:rPr>
-              <a:t>apk</a:t>
-            </a:r>
-            <a:r>
-              <a:rPr lang="en-US" sz="1200" dirty="0">
-                <a:latin typeface="Courier"/>
-              </a:rPr>
-              <a:t>/res/android"</a:t>
-            </a:r>
-            <a:br>
-              <a:rPr lang="en-US" sz="1200" dirty="0">
-                <a:latin typeface="Courier"/>
-              </a:rPr>
-            </a:br>
-            <a:r>
-              <a:rPr lang="en-US" sz="1200" dirty="0">
-                <a:latin typeface="Courier"/>
-              </a:rPr>
-              <a:t>    android:orientation="vertical"</a:t>
-            </a:r>
-            <a:br>
-              <a:rPr lang="en-US" sz="1200" dirty="0">
-                <a:latin typeface="Courier"/>
-              </a:rPr>
-            </a:br>
-            <a:r>
-              <a:rPr lang="en-US" sz="1200" dirty="0">
-                <a:latin typeface="Courier"/>
-              </a:rPr>
-              <a:t>    android:layout_width="match_parent"</a:t>
-            </a:r>
-            <a:br>
-              <a:rPr lang="en-US" sz="1200" dirty="0">
-                <a:latin typeface="Courier"/>
-              </a:rPr>
-            </a:br>
-            <a:r>
-              <a:rPr lang="en-US" sz="1200" dirty="0">
-                <a:latin typeface="Courier"/>
-              </a:rPr>
-              <a:t>    android:layout_height="match_parent"&gt;</a:t>
-            </a:r>
-            <a:br>
-              <a:rPr lang="en-US" sz="1200" dirty="0">
-                <a:latin typeface="Courier"/>
-              </a:rPr>
-            </a:br>
-            <a:r>
-              <a:rPr lang="en-US" sz="1200" dirty="0">
-                <a:latin typeface="Courier"/>
-              </a:rPr>
-              <a:t>    &lt;fragment</a:t>
-            </a:r>
-            <a:br>
-              <a:rPr lang="en-US" sz="1200" dirty="0">
-                <a:latin typeface="Courier"/>
-              </a:rPr>
-            </a:br>
-            <a:r>
-              <a:rPr lang="en-US" sz="1200" dirty="0">
-                <a:latin typeface="Courier"/>
-              </a:rPr>
-              <a:t>        android:name="MathFlashCards.FrontFragment"</a:t>
-            </a:r>
-            <a:br>
-              <a:rPr lang="en-US" sz="1200" dirty="0">
-                <a:latin typeface="Courier"/>
-              </a:rPr>
-            </a:br>
-            <a:r>
-              <a:rPr lang="en-US" sz="1200" dirty="0">
-                <a:latin typeface="Courier"/>
-              </a:rPr>
-              <a:t>        android:id="@+id/frontFragment"</a:t>
-            </a:r>
-            <a:br>
-              <a:rPr lang="en-US" sz="1200" dirty="0">
-                <a:latin typeface="Courier"/>
-              </a:rPr>
-            </a:br>
-            <a:r>
-              <a:rPr lang="en-US" sz="1200" dirty="0">
-                <a:latin typeface="Courier"/>
-              </a:rPr>
-              <a:t>        android:layout_width="match_parent"</a:t>
-            </a:r>
-            <a:br>
-              <a:rPr lang="en-US" sz="1200" dirty="0">
-                <a:latin typeface="Courier"/>
-              </a:rPr>
-            </a:br>
-            <a:r>
-              <a:rPr lang="en-US" sz="1200" dirty="0">
-                <a:latin typeface="Courier"/>
-              </a:rPr>
-              <a:t>        android:layout_height="wrap_content" </a:t>
-            </a:r>
-            <a:br>
-              <a:rPr lang="en-US" sz="1200" dirty="0">
-                <a:latin typeface="Courier"/>
-              </a:rPr>
-            </a:br>
-            <a:r>
-              <a:rPr lang="en-US" sz="1200" dirty="0">
-                <a:latin typeface="Courier"/>
-              </a:rPr>
-              <a:t>        android:layout_weight="1"/&gt;</a:t>
-            </a:r>
-            <a:br>
-              <a:rPr lang="en-US" sz="1200" dirty="0">
-                <a:latin typeface="Courier"/>
-              </a:rPr>
-            </a:br>
-            <a:r>
-              <a:rPr lang="en-US" sz="1200" dirty="0">
-                <a:latin typeface="Courier"/>
-              </a:rPr>
-              <a:t>    &lt;fragment</a:t>
-            </a:r>
-            <a:br>
-              <a:rPr lang="en-US" sz="1200" dirty="0">
-                <a:latin typeface="Courier"/>
-              </a:rPr>
-            </a:br>
-            <a:r>
-              <a:rPr lang="en-US" sz="1200" dirty="0">
-                <a:latin typeface="Courier"/>
-              </a:rPr>
-              <a:t>        android:name="MathFlashCards.BackFragment"</a:t>
-            </a:r>
-            <a:br>
-              <a:rPr lang="en-US" sz="1200" dirty="0">
-                <a:latin typeface="Courier"/>
-              </a:rPr>
-            </a:br>
-            <a:r>
-              <a:rPr lang="en-US" sz="1200" dirty="0">
-                <a:latin typeface="Courier"/>
-              </a:rPr>
-              <a:t>        android:id="@+id/backFragment"</a:t>
-            </a:r>
-            <a:br>
-              <a:rPr lang="en-US" sz="1200" dirty="0">
-                <a:latin typeface="Courier"/>
-              </a:rPr>
-            </a:br>
-            <a:r>
-              <a:rPr lang="en-US" sz="1200" dirty="0">
-                <a:latin typeface="Courier"/>
-              </a:rPr>
-              <a:t>        android:layout_width="match_parent"</a:t>
-            </a:r>
-            <a:br>
-              <a:rPr lang="en-US" sz="1200" dirty="0">
-                <a:latin typeface="Courier"/>
-              </a:rPr>
-            </a:br>
-            <a:r>
-              <a:rPr lang="en-US" sz="1200" dirty="0">
-                <a:latin typeface="Courier"/>
-              </a:rPr>
-              <a:t>        android:layout_height="wrap_content" </a:t>
-            </a:r>
-            <a:br>
-              <a:rPr lang="en-US" sz="1200" dirty="0">
-                <a:latin typeface="Courier"/>
-              </a:rPr>
-            </a:br>
-            <a:r>
-              <a:rPr lang="en-US" sz="1200" dirty="0">
-                <a:latin typeface="Courier"/>
-              </a:rPr>
-              <a:t>        android:layout_weight="1"/&gt;</a:t>
-            </a:r>
-            <a:br>
-              <a:rPr lang="en-US" sz="1200" dirty="0">
-                <a:latin typeface="Courier"/>
-              </a:rPr>
-            </a:br>
-            <a:r>
-              <a:rPr lang="en-US" sz="1200" dirty="0">
-                <a:latin typeface="Courier"/>
-              </a:rPr>
-              <a:t>&lt;/LinearLayout&gt; </a:t>
-            </a:r>
-          </a:p>
-        </p:txBody>
-      </p:sp>
+      </p:pic>
     </p:spTree>
     <p:extLst>
       <p:ext uri="{BB962C8B-B14F-4D97-AF65-F5344CB8AC3E}">
-        <p14:creationId xmlns:p14="http://schemas.microsoft.com/office/powerpoint/2010/main" val="1108247595"/>
+        <p14:creationId xmlns:p14="http://schemas.microsoft.com/office/powerpoint/2010/main" val="1347995648"/>
       </p:ext>
     </p:extLst>
   </p:cSld>
@@ -7430,214 +7236,35 @@
           <a:p>
             <a:r>
               <a:rPr lang="en-US" dirty="0" smtClean="0"/>
-              <a:t>Fragment Elements</a:t>
+              <a:t>Activity and Fragment Classes</a:t>
             </a:r>
             <a:endParaRPr lang="en-US" dirty="0"/>
           </a:p>
         </p:txBody>
       </p:sp>
-      <p:sp>
-        <p:nvSpPr>
-          <p:cNvPr id="3" name="Content Placeholder 2"/>
-          <p:cNvSpPr>
-            <a:spLocks noGrp="1"/>
-          </p:cNvSpPr>
+      <p:pic>
+        <p:nvPicPr>
+          <p:cNvPr id="4" name="Content Placeholder 3"/>
+          <p:cNvPicPr>
+            <a:picLocks noGrp="1" noChangeAspect="1"/>
+          </p:cNvPicPr>
           <p:nvPr>
             <p:ph idx="1"/>
           </p:nvPr>
-        </p:nvSpPr>
+        </p:nvPicPr>
+        <p:blipFill>
+          <a:blip r:embed="rId2"/>
+          <a:srcRect l="-25763" r="-25763"/>
+          <a:stretch>
+            <a:fillRect/>
+          </a:stretch>
+        </p:blipFill>
         <p:spPr/>
-        <p:txBody>
-          <a:bodyPr>
-            <a:noAutofit/>
-          </a:bodyPr>
-          <a:lstStyle/>
-          <a:p>
-            <a:pPr marL="0" indent="0">
-              <a:buNone/>
-            </a:pPr>
-            <a:r>
-              <a:rPr lang="en-US" sz="1600" dirty="0" smtClean="0">
-                <a:latin typeface="Courier"/>
-              </a:rPr>
-              <a:t>    &lt;</a:t>
-            </a:r>
-            <a:r>
-              <a:rPr lang="en-US" sz="1600" dirty="0">
-                <a:latin typeface="Courier"/>
-              </a:rPr>
-              <a:t>fragment</a:t>
-            </a:r>
-            <a:br>
-              <a:rPr lang="en-US" sz="1600" dirty="0">
-                <a:latin typeface="Courier"/>
-              </a:rPr>
-            </a:br>
-            <a:r>
-              <a:rPr lang="en-US" sz="1600" dirty="0">
-                <a:latin typeface="Courier"/>
-              </a:rPr>
-              <a:t>        </a:t>
-            </a:r>
-            <a:r>
-              <a:rPr lang="en-US" sz="1600" dirty="0" smtClean="0">
-                <a:latin typeface="Courier"/>
-              </a:rPr>
-              <a:t>android:name="MathFlashCards.</a:t>
-            </a:r>
-            <a:r>
-              <a:rPr lang="en-US" sz="1600" dirty="0" smtClean="0">
-                <a:solidFill>
-                  <a:srgbClr val="FFFF00"/>
-                </a:solidFill>
-                <a:latin typeface="Courier"/>
-              </a:rPr>
-              <a:t>FrontFragment</a:t>
-            </a:r>
-            <a:r>
-              <a:rPr lang="en-US" sz="1600" dirty="0" smtClean="0">
-                <a:latin typeface="Courier"/>
-              </a:rPr>
-              <a:t>"</a:t>
-            </a:r>
-            <a:br>
-              <a:rPr lang="en-US" sz="1600" dirty="0" smtClean="0">
-                <a:latin typeface="Courier"/>
-              </a:rPr>
-            </a:br>
-            <a:r>
-              <a:rPr lang="en-US" sz="1600" dirty="0" smtClean="0">
-                <a:latin typeface="Courier"/>
-              </a:rPr>
-              <a:t>        android:id="@+id/frontFragment"</a:t>
-            </a:r>
-            <a:br>
-              <a:rPr lang="en-US" sz="1600" dirty="0" smtClean="0">
-                <a:latin typeface="Courier"/>
-              </a:rPr>
-            </a:br>
-            <a:r>
-              <a:rPr lang="en-US" sz="1600" dirty="0" smtClean="0">
-                <a:latin typeface="Courier"/>
-              </a:rPr>
-              <a:t>        android:layout_width="match_parent"</a:t>
-            </a:r>
-            <a:br>
-              <a:rPr lang="en-US" sz="1600" dirty="0" smtClean="0">
-                <a:latin typeface="Courier"/>
-              </a:rPr>
-            </a:br>
-            <a:r>
-              <a:rPr lang="en-US" sz="1600" dirty="0" smtClean="0">
-                <a:latin typeface="Courier"/>
-              </a:rPr>
-              <a:t>        android:layout_height="wrap_content" </a:t>
-            </a:r>
-            <a:br>
-              <a:rPr lang="en-US" sz="1600" dirty="0" smtClean="0">
-                <a:latin typeface="Courier"/>
-              </a:rPr>
-            </a:br>
-            <a:r>
-              <a:rPr lang="en-US" sz="1600" dirty="0" smtClean="0">
-                <a:latin typeface="Courier"/>
-              </a:rPr>
-              <a:t>        android:layout_weight="1"/&gt;</a:t>
-            </a:r>
-            <a:br>
-              <a:rPr lang="en-US" sz="1600" dirty="0" smtClean="0">
-                <a:latin typeface="Courier"/>
-              </a:rPr>
-            </a:br>
-            <a:r>
-              <a:rPr lang="en-US" sz="1600" dirty="0" smtClean="0">
-                <a:latin typeface="Courier"/>
-              </a:rPr>
-              <a:t>    &lt;fragment</a:t>
-            </a:r>
-            <a:br>
-              <a:rPr lang="en-US" sz="1600" dirty="0" smtClean="0">
-                <a:latin typeface="Courier"/>
-              </a:rPr>
-            </a:br>
-            <a:r>
-              <a:rPr lang="en-US" sz="1600" dirty="0" smtClean="0">
-                <a:latin typeface="Courier"/>
-              </a:rPr>
-              <a:t>        android:name="MathFlashCards.</a:t>
-            </a:r>
-            <a:r>
-              <a:rPr lang="en-US" sz="1600" dirty="0" smtClean="0">
-                <a:solidFill>
-                  <a:srgbClr val="FFFF00"/>
-                </a:solidFill>
-                <a:latin typeface="Courier"/>
-              </a:rPr>
-              <a:t>BackFragment</a:t>
-            </a:r>
-            <a:r>
-              <a:rPr lang="en-US" sz="1600" dirty="0" smtClean="0">
-                <a:latin typeface="Courier"/>
-              </a:rPr>
-              <a:t>"</a:t>
-            </a:r>
-            <a:br>
-              <a:rPr lang="en-US" sz="1600" dirty="0" smtClean="0">
-                <a:latin typeface="Courier"/>
-              </a:rPr>
-            </a:br>
-            <a:r>
-              <a:rPr lang="en-US" sz="1600" dirty="0" smtClean="0">
-                <a:latin typeface="Courier"/>
-              </a:rPr>
-              <a:t>        android:id="@+id/backFragment"</a:t>
-            </a:r>
-            <a:br>
-              <a:rPr lang="en-US" sz="1600" dirty="0" smtClean="0">
-                <a:latin typeface="Courier"/>
-              </a:rPr>
-            </a:br>
-            <a:r>
-              <a:rPr lang="en-US" sz="1600" dirty="0" smtClean="0">
-                <a:latin typeface="Courier"/>
-              </a:rPr>
-              <a:t>        android:layout_width="match_parent"</a:t>
-            </a:r>
-            <a:br>
-              <a:rPr lang="en-US" sz="1600" dirty="0" smtClean="0">
-                <a:latin typeface="Courier"/>
-              </a:rPr>
-            </a:br>
-            <a:r>
-              <a:rPr lang="en-US" sz="1600" dirty="0" smtClean="0">
-                <a:latin typeface="Courier"/>
-              </a:rPr>
-              <a:t>        android:layout_height="wrap_content" </a:t>
-            </a:r>
-            <a:br>
-              <a:rPr lang="en-US" sz="1600" dirty="0" smtClean="0">
-                <a:latin typeface="Courier"/>
-              </a:rPr>
-            </a:br>
-            <a:r>
-              <a:rPr lang="en-US" sz="1600" dirty="0" smtClean="0">
-                <a:latin typeface="Courier"/>
-              </a:rPr>
-              <a:t>        android:layout_weight="1"/&gt;</a:t>
-            </a:r>
-            <a:br>
-              <a:rPr lang="en-US" sz="1600" dirty="0" smtClean="0">
-                <a:latin typeface="Courier"/>
-              </a:rPr>
-            </a:br>
-            <a:endParaRPr lang="en-US" sz="1600" dirty="0"/>
-          </a:p>
-        </p:txBody>
-      </p:sp>
+      </p:pic>
     </p:spTree>
     <p:extLst>
       <p:ext uri="{BB962C8B-B14F-4D97-AF65-F5344CB8AC3E}">
-        <p14:creationId xmlns:p14="http://schemas.microsoft.com/office/powerpoint/2010/main" val="4162086736"/>
+        <p14:creationId xmlns:p14="http://schemas.microsoft.com/office/powerpoint/2010/main" val="3228367607"/>
       </p:ext>
     </p:extLst>
   </p:cSld>
@@ -7683,35 +7310,249 @@
           <a:p>
             <a:r>
               <a:rPr lang="en-US" dirty="0" smtClean="0"/>
-              <a:t>Activity and Fragment Layouts</a:t>
+              <a:t>Activity Layout for Large Screen</a:t>
             </a:r>
             <a:endParaRPr lang="en-US" dirty="0"/>
           </a:p>
         </p:txBody>
       </p:sp>
-      <p:pic>
-        <p:nvPicPr>
-          <p:cNvPr id="4" name="Content Placeholder 3"/>
-          <p:cNvPicPr>
-            <a:picLocks noGrp="1" noChangeAspect="1"/>
-          </p:cNvPicPr>
+      <p:sp>
+        <p:nvSpPr>
+          <p:cNvPr id="3" name="Content Placeholder 2"/>
+          <p:cNvSpPr>
+            <a:spLocks noGrp="1"/>
+          </p:cNvSpPr>
           <p:nvPr>
             <p:ph idx="1"/>
           </p:nvPr>
-        </p:nvPicPr>
-        <p:blipFill>
-          <a:blip r:embed="rId2"/>
-          <a:srcRect l="-48018" r="-48018"/>
-          <a:stretch>
-            <a:fillRect/>
-          </a:stretch>
-        </p:blipFill>
-        <p:spPr/>
-      </p:pic>
+        </p:nvSpPr>
+        <p:spPr>
+          <a:xfrm>
+            <a:off x="457200" y="1414464"/>
+            <a:ext cx="8229600" cy="5072062"/>
+          </a:xfrm>
+        </p:spPr>
+        <p:txBody>
+          <a:bodyPr>
+            <a:noAutofit/>
+          </a:bodyPr>
+          <a:lstStyle/>
+          <a:p>
+            <a:pPr marL="0" indent="0">
+              <a:buNone/>
+            </a:pPr>
+            <a:r>
+              <a:rPr lang="en-US" sz="1200" dirty="0">
+                <a:latin typeface="Courier"/>
+              </a:rPr>
+              <a:t>&lt;?xml version="1.0" encoding="utf-8"?&gt;</a:t>
+            </a:r>
+            <a:br>
+              <a:rPr lang="en-US" sz="1200" dirty="0">
+                <a:latin typeface="Courier"/>
+              </a:rPr>
+            </a:br>
+            <a:r>
+              <a:rPr lang="en-US" sz="1200" dirty="0">
+                <a:latin typeface="Courier"/>
+              </a:rPr>
+              <a:t>&lt;LinearLayout xmlns:android="http://schemas.android.com/</a:t>
+            </a:r>
+            <a:r>
+              <a:rPr lang="en-US" sz="1200" dirty="0" err="1">
+                <a:latin typeface="Courier"/>
+              </a:rPr>
+              <a:t>apk</a:t>
+            </a:r>
+            <a:r>
+              <a:rPr lang="en-US" sz="1200" dirty="0">
+                <a:latin typeface="Courier"/>
+              </a:rPr>
+              <a:t>/res/android"</a:t>
+            </a:r>
+            <a:br>
+              <a:rPr lang="en-US" sz="1200" dirty="0">
+                <a:latin typeface="Courier"/>
+              </a:rPr>
+            </a:br>
+            <a:r>
+              <a:rPr lang="en-US" sz="1200" dirty="0">
+                <a:latin typeface="Courier"/>
+              </a:rPr>
+              <a:t>    android:orientation="vertical"</a:t>
+            </a:r>
+            <a:br>
+              <a:rPr lang="en-US" sz="1200" dirty="0">
+                <a:latin typeface="Courier"/>
+              </a:rPr>
+            </a:br>
+            <a:r>
+              <a:rPr lang="en-US" sz="1200" dirty="0">
+                <a:latin typeface="Courier"/>
+              </a:rPr>
+              <a:t>    android:layout_width="match_parent"</a:t>
+            </a:r>
+            <a:br>
+              <a:rPr lang="en-US" sz="1200" dirty="0">
+                <a:latin typeface="Courier"/>
+              </a:rPr>
+            </a:br>
+            <a:r>
+              <a:rPr lang="en-US" sz="1200" dirty="0">
+                <a:latin typeface="Courier"/>
+              </a:rPr>
+              <a:t>    android:layout_height="match_parent"&gt;</a:t>
+            </a:r>
+            <a:br>
+              <a:rPr lang="en-US" sz="1200" dirty="0">
+                <a:latin typeface="Courier"/>
+              </a:rPr>
+            </a:br>
+            <a:r>
+              <a:rPr lang="en-US" sz="1200" dirty="0">
+                <a:latin typeface="Courier"/>
+              </a:rPr>
+              <a:t>    &lt;fragment</a:t>
+            </a:r>
+            <a:br>
+              <a:rPr lang="en-US" sz="1200" dirty="0">
+                <a:latin typeface="Courier"/>
+              </a:rPr>
+            </a:br>
+            <a:r>
+              <a:rPr lang="en-US" sz="1200" dirty="0">
+                <a:latin typeface="Courier"/>
+              </a:rPr>
+              <a:t>        android:name="MathFlashCards.FrontFragment"</a:t>
+            </a:r>
+            <a:br>
+              <a:rPr lang="en-US" sz="1200" dirty="0">
+                <a:latin typeface="Courier"/>
+              </a:rPr>
+            </a:br>
+            <a:r>
+              <a:rPr lang="en-US" sz="1200" dirty="0">
+                <a:latin typeface="Courier"/>
+              </a:rPr>
+              <a:t>        android:id="@+id/frontFragment"</a:t>
+            </a:r>
+            <a:br>
+              <a:rPr lang="en-US" sz="1200" dirty="0">
+                <a:latin typeface="Courier"/>
+              </a:rPr>
+            </a:br>
+            <a:r>
+              <a:rPr lang="en-US" sz="1200" dirty="0">
+                <a:latin typeface="Courier"/>
+              </a:rPr>
+              <a:t>        android:layout_width="match_parent"</a:t>
+            </a:r>
+            <a:br>
+              <a:rPr lang="en-US" sz="1200" dirty="0">
+                <a:latin typeface="Courier"/>
+              </a:rPr>
+            </a:br>
+            <a:r>
+              <a:rPr lang="en-US" sz="1200" dirty="0">
+                <a:latin typeface="Courier"/>
+              </a:rPr>
+              <a:t>        android:layout_height="wrap_content" </a:t>
+            </a:r>
+            <a:br>
+              <a:rPr lang="en-US" sz="1200" dirty="0">
+                <a:latin typeface="Courier"/>
+              </a:rPr>
+            </a:br>
+            <a:r>
+              <a:rPr lang="en-US" sz="1200" dirty="0">
+                <a:latin typeface="Courier"/>
+              </a:rPr>
+              <a:t>        android:layout_weight="1"/&gt;</a:t>
+            </a:r>
+            <a:br>
+              <a:rPr lang="en-US" sz="1200" dirty="0">
+                <a:latin typeface="Courier"/>
+              </a:rPr>
+            </a:br>
+            <a:r>
+              <a:rPr lang="en-US" sz="1200" dirty="0">
+                <a:latin typeface="Courier"/>
+              </a:rPr>
+              <a:t>    &lt;fragment</a:t>
+            </a:r>
+            <a:br>
+              <a:rPr lang="en-US" sz="1200" dirty="0">
+                <a:latin typeface="Courier"/>
+              </a:rPr>
+            </a:br>
+            <a:r>
+              <a:rPr lang="en-US" sz="1200" dirty="0">
+                <a:latin typeface="Courier"/>
+              </a:rPr>
+              <a:t>        android:name="MathFlashCards.BackFragment"</a:t>
+            </a:r>
+            <a:br>
+              <a:rPr lang="en-US" sz="1200" dirty="0">
+                <a:latin typeface="Courier"/>
+              </a:rPr>
+            </a:br>
+            <a:r>
+              <a:rPr lang="en-US" sz="1200" dirty="0">
+                <a:latin typeface="Courier"/>
+              </a:rPr>
+              <a:t>        android:id="@+id/backFragment"</a:t>
+            </a:r>
+            <a:br>
+              <a:rPr lang="en-US" sz="1200" dirty="0">
+                <a:latin typeface="Courier"/>
+              </a:rPr>
+            </a:br>
+            <a:r>
+              <a:rPr lang="en-US" sz="1200" dirty="0">
+                <a:latin typeface="Courier"/>
+              </a:rPr>
+              <a:t>        android:layout_width="match_parent"</a:t>
+            </a:r>
+            <a:br>
+              <a:rPr lang="en-US" sz="1200" dirty="0">
+                <a:latin typeface="Courier"/>
+              </a:rPr>
+            </a:br>
+            <a:r>
+              <a:rPr lang="en-US" sz="1200" dirty="0">
+                <a:latin typeface="Courier"/>
+              </a:rPr>
+              <a:t>        android:layout_height="wrap_content" </a:t>
+            </a:r>
+            <a:br>
+              <a:rPr lang="en-US" sz="1200" dirty="0">
+                <a:latin typeface="Courier"/>
+              </a:rPr>
+            </a:br>
+            <a:r>
+              <a:rPr lang="en-US" sz="1200" dirty="0">
+                <a:latin typeface="Courier"/>
+              </a:rPr>
+              <a:t>        android:layout_weight="1"/&gt;</a:t>
+            </a:r>
+            <a:br>
+              <a:rPr lang="en-US" sz="1200" dirty="0">
+                <a:latin typeface="Courier"/>
+              </a:rPr>
+            </a:br>
+            <a:r>
+              <a:rPr lang="en-US" sz="1200" dirty="0">
+                <a:latin typeface="Courier"/>
+              </a:rPr>
+              <a:t>&lt;/LinearLayout&gt; </a:t>
+            </a:r>
+          </a:p>
+        </p:txBody>
+      </p:sp>
     </p:spTree>
     <p:extLst>
       <p:ext uri="{BB962C8B-B14F-4D97-AF65-F5344CB8AC3E}">
-        <p14:creationId xmlns:p14="http://schemas.microsoft.com/office/powerpoint/2010/main" val="3545908380"/>
+        <p14:creationId xmlns:p14="http://schemas.microsoft.com/office/powerpoint/2010/main" val="1108247595"/>
       </p:ext>
     </p:extLst>
   </p:cSld>
@@ -7750,14 +7591,12 @@
         </p:nvSpPr>
         <p:spPr/>
         <p:txBody>
-          <a:bodyPr>
-            <a:normAutofit/>
-          </a:bodyPr>
+          <a:bodyPr/>
           <a:lstStyle/>
           <a:p>
             <a:r>
               <a:rPr lang="en-US" dirty="0" smtClean="0"/>
-              <a:t>Add Code to Detect Layout</a:t>
+              <a:t>Fragment Elements</a:t>
             </a:r>
             <a:endParaRPr lang="en-US" dirty="0"/>
           </a:p>
@@ -7776,7 +7615,7 @@
         <p:spPr/>
         <p:txBody>
           <a:bodyPr>
-            <a:normAutofit fontScale="70000" lnSpcReduction="20000"/>
+            <a:noAutofit/>
           </a:bodyPr>
           <a:lstStyle/>
           <a:p>
@@ -7784,229 +7623,187 @@
               <a:buNone/>
             </a:pPr>
             <a:r>
-              <a:rPr lang="en-US" i="1" dirty="0">
-                <a:latin typeface="Courier"/>
-                <a:cs typeface="Courier"/>
-              </a:rPr>
-              <a:t>// See if we're loading two </a:t>
-            </a:r>
-            <a:r>
-              <a:rPr lang="en-US" i="1" dirty="0" smtClean="0">
-                <a:latin typeface="Courier"/>
-                <a:cs typeface="Courier"/>
-              </a:rPr>
-              <a:t>fragments</a:t>
-            </a:r>
-            <a:r>
-              <a:rPr lang="en-US" dirty="0">
-                <a:latin typeface="Courier"/>
-                <a:cs typeface="Courier"/>
-              </a:rPr>
-              <a:t> </a:t>
-            </a:r>
-            <a:endParaRPr lang="en-US" dirty="0" smtClean="0">
-              <a:latin typeface="Courier"/>
-              <a:cs typeface="Courier"/>
-            </a:endParaRPr>
-          </a:p>
-          <a:p>
-            <a:pPr marL="0" indent="0">
-              <a:buNone/>
-            </a:pPr>
-            <a:r>
-              <a:rPr lang="en-US" dirty="0" smtClean="0">
-                <a:latin typeface="Courier"/>
-                <a:cs typeface="Courier"/>
-              </a:rPr>
-              <a:t>bool </a:t>
-            </a:r>
-            <a:r>
-              <a:rPr lang="en-US" dirty="0">
-                <a:latin typeface="Courier"/>
-                <a:cs typeface="Courier"/>
-              </a:rPr>
-              <a:t> isDualPane = false</a:t>
-            </a:r>
-            <a:r>
-              <a:rPr lang="en-US" dirty="0" smtClean="0">
-                <a:latin typeface="Courier"/>
-                <a:cs typeface="Courier"/>
-              </a:rPr>
-              <a:t>;</a:t>
-            </a:r>
-            <a:endParaRPr lang="en-US" dirty="0">
-              <a:latin typeface="Courier"/>
-              <a:cs typeface="Courier"/>
-            </a:endParaRPr>
-          </a:p>
-          <a:p>
-            <a:pPr marL="0" indent="0">
-              <a:buNone/>
-            </a:pPr>
-            <a:r>
-              <a:rPr lang="en-US" i="1" dirty="0" smtClean="0">
-                <a:latin typeface="Courier"/>
-                <a:cs typeface="Courier"/>
-              </a:rPr>
-              <a:t>/</a:t>
-            </a:r>
-            <a:r>
-              <a:rPr lang="en-US" i="1" dirty="0">
-                <a:latin typeface="Courier"/>
-                <a:cs typeface="Courier"/>
-              </a:rPr>
-              <a:t>/ Only the dual pane layout has a </a:t>
-            </a:r>
-            <a:r>
-              <a:rPr lang="en-US" i="1" dirty="0" smtClean="0">
-                <a:latin typeface="Courier"/>
-                <a:cs typeface="Courier"/>
-              </a:rPr>
-              <a:t>reset</a:t>
-            </a:r>
-            <a:r>
-              <a:rPr lang="en-US" i="1" dirty="0">
-                <a:latin typeface="Courier"/>
-                <a:cs typeface="Courier"/>
-              </a:rPr>
-              <a:t> button</a:t>
-            </a:r>
-            <a:r>
-              <a:rPr lang="en-US" dirty="0">
-                <a:latin typeface="Courier"/>
-                <a:cs typeface="Courier"/>
-              </a:rPr>
-              <a:t/>
+              <a:rPr lang="en-US" sz="1600" dirty="0" smtClean="0">
+                <a:latin typeface="Courier"/>
+              </a:rPr>
+              <a:t>    &lt;</a:t>
+            </a:r>
+            <a:r>
+              <a:rPr lang="en-US" sz="1600" dirty="0">
+                <a:latin typeface="Courier"/>
+              </a:rPr>
+              <a:t>fragment</a:t>
             </a:r>
             <a:br>
-              <a:rPr lang="en-US" dirty="0">
-                <a:latin typeface="Courier"/>
-                <a:cs typeface="Courier"/>
+              <a:rPr lang="en-US" sz="1600" dirty="0">
+                <a:latin typeface="Courier"/>
               </a:rPr>
             </a:br>
             <a:r>
-              <a:rPr lang="en-US" dirty="0" smtClean="0">
-                <a:latin typeface="Courier"/>
-                <a:cs typeface="Courier"/>
-              </a:rPr>
-              <a:t>var</a:t>
-            </a:r>
-            <a:r>
-              <a:rPr lang="en-US" dirty="0">
-                <a:latin typeface="Courier"/>
-                <a:cs typeface="Courier"/>
-              </a:rPr>
-              <a:t> </a:t>
-            </a:r>
-            <a:r>
-              <a:rPr lang="en-US" dirty="0" smtClean="0">
-                <a:latin typeface="Courier"/>
-                <a:cs typeface="Courier"/>
-              </a:rPr>
-              <a:t>resetButton</a:t>
-            </a:r>
-            <a:r>
-              <a:rPr lang="en-US" dirty="0">
-                <a:latin typeface="Courier"/>
-                <a:cs typeface="Courier"/>
-              </a:rPr>
-              <a:t> = </a:t>
-            </a:r>
-            <a:r>
-              <a:rPr lang="en-US" dirty="0" smtClean="0">
-                <a:latin typeface="Courier"/>
-                <a:cs typeface="Courier"/>
-              </a:rPr>
-              <a:t/>
+              <a:rPr lang="en-US" sz="1600" dirty="0">
+                <a:latin typeface="Courier"/>
+              </a:rPr>
+              <a:t>        </a:t>
+            </a:r>
+            <a:r>
+              <a:rPr lang="en-US" sz="1600" dirty="0" smtClean="0">
+                <a:latin typeface="Courier"/>
+              </a:rPr>
+              <a:t>android:name="MathFlashCards.</a:t>
+            </a:r>
+            <a:r>
+              <a:rPr lang="en-US" sz="1600" dirty="0" smtClean="0">
+                <a:solidFill>
+                  <a:srgbClr val="FFFF00"/>
+                </a:solidFill>
+                <a:latin typeface="Courier"/>
+              </a:rPr>
+              <a:t>FrontFragment</a:t>
+            </a:r>
+            <a:r>
+              <a:rPr lang="en-US" sz="1600" dirty="0" smtClean="0">
+                <a:latin typeface="Courier"/>
+              </a:rPr>
+              <a:t>"</a:t>
             </a:r>
             <a:br>
-              <a:rPr lang="en-US" dirty="0" smtClean="0">
-                <a:latin typeface="Courier"/>
-                <a:cs typeface="Courier"/>
+              <a:rPr lang="en-US" sz="1600" dirty="0" smtClean="0">
+                <a:latin typeface="Courier"/>
               </a:rPr>
             </a:br>
             <a:r>
-              <a:rPr lang="en-US" dirty="0" smtClean="0">
-                <a:latin typeface="Courier"/>
-                <a:cs typeface="Courier"/>
-              </a:rPr>
-              <a:t>FindViewById</a:t>
-            </a:r>
-            <a:r>
-              <a:rPr lang="en-US" dirty="0">
-                <a:latin typeface="Courier"/>
-                <a:cs typeface="Courier"/>
-              </a:rPr>
-              <a:t>&lt;Button</a:t>
-            </a:r>
-            <a:r>
-              <a:rPr lang="en-US" dirty="0" smtClean="0">
-                <a:latin typeface="Courier"/>
-                <a:cs typeface="Courier"/>
-              </a:rPr>
-              <a:t>&gt;(Resource.Id.resetButton</a:t>
-            </a:r>
-            <a:r>
-              <a:rPr lang="en-US" dirty="0">
-                <a:latin typeface="Courier"/>
-                <a:cs typeface="Courier"/>
-              </a:rPr>
-              <a:t>);</a:t>
+              <a:rPr lang="en-US" sz="1600" dirty="0" smtClean="0">
+                <a:latin typeface="Courier"/>
+              </a:rPr>
+              <a:t>        android:id="@+id/frontFragment"</a:t>
             </a:r>
             <a:br>
-              <a:rPr lang="en-US" dirty="0">
-                <a:latin typeface="Courier"/>
-                <a:cs typeface="Courier"/>
+              <a:rPr lang="en-US" sz="1600" dirty="0" smtClean="0">
+                <a:latin typeface="Courier"/>
               </a:rPr>
             </a:br>
             <a:r>
-              <a:rPr lang="en-US" dirty="0" smtClean="0">
-                <a:latin typeface="Courier"/>
-                <a:cs typeface="Courier"/>
-              </a:rPr>
-              <a:t>if</a:t>
-            </a:r>
-            <a:r>
-              <a:rPr lang="en-US" dirty="0">
-                <a:latin typeface="Courier"/>
-                <a:cs typeface="Courier"/>
-              </a:rPr>
-              <a:t> </a:t>
-            </a:r>
-            <a:r>
-              <a:rPr lang="en-US" dirty="0" smtClean="0">
-                <a:latin typeface="Courier"/>
-                <a:cs typeface="Courier"/>
-              </a:rPr>
-              <a:t>(resetButton</a:t>
-            </a:r>
-            <a:r>
-              <a:rPr lang="en-US" dirty="0">
-                <a:latin typeface="Courier"/>
-                <a:cs typeface="Courier"/>
-              </a:rPr>
-              <a:t> != null)</a:t>
+              <a:rPr lang="en-US" sz="1600" dirty="0" smtClean="0">
+                <a:latin typeface="Courier"/>
+              </a:rPr>
+              <a:t>        android:layout_width="match_parent"</a:t>
             </a:r>
             <a:br>
-              <a:rPr lang="en-US" dirty="0">
-                <a:latin typeface="Courier"/>
-                <a:cs typeface="Courier"/>
+              <a:rPr lang="en-US" sz="1600" dirty="0" smtClean="0">
+                <a:latin typeface="Courier"/>
               </a:rPr>
             </a:br>
             <a:r>
-              <a:rPr lang="en-US" dirty="0">
-                <a:latin typeface="Courier"/>
-                <a:cs typeface="Courier"/>
-              </a:rPr>
-              <a:t>     isDualPane = true; </a:t>
-            </a:r>
+              <a:rPr lang="en-US" sz="1600" dirty="0" smtClean="0">
+                <a:latin typeface="Courier"/>
+              </a:rPr>
+              <a:t>        android:layout_height="wrap_content" </a:t>
+            </a:r>
+            <a:br>
+              <a:rPr lang="en-US" sz="1600" dirty="0" smtClean="0">
+                <a:latin typeface="Courier"/>
+              </a:rPr>
+            </a:br>
+            <a:r>
+              <a:rPr lang="en-US" sz="1600" dirty="0" smtClean="0">
+                <a:latin typeface="Courier"/>
+              </a:rPr>
+              <a:t>        android:layout_weight="1"/&gt;</a:t>
+            </a:r>
+            <a:br>
+              <a:rPr lang="en-US" sz="1600" dirty="0" smtClean="0">
+                <a:latin typeface="Courier"/>
+              </a:rPr>
+            </a:br>
+            <a:r>
+              <a:rPr lang="en-US" sz="1600" dirty="0" smtClean="0">
+                <a:latin typeface="Courier"/>
+              </a:rPr>
+              <a:t>    &lt;fragment</a:t>
+            </a:r>
+            <a:br>
+              <a:rPr lang="en-US" sz="1600" dirty="0" smtClean="0">
+                <a:latin typeface="Courier"/>
+              </a:rPr>
+            </a:br>
+            <a:r>
+              <a:rPr lang="en-US" sz="1600" dirty="0" smtClean="0">
+                <a:latin typeface="Courier"/>
+              </a:rPr>
+              <a:t>        android:name="MathFlashCards.</a:t>
+            </a:r>
+            <a:r>
+              <a:rPr lang="en-US" sz="1600" dirty="0" smtClean="0">
+                <a:solidFill>
+                  <a:srgbClr val="FFFF00"/>
+                </a:solidFill>
+                <a:latin typeface="Courier"/>
+              </a:rPr>
+              <a:t>BackFragment</a:t>
+            </a:r>
+            <a:r>
+              <a:rPr lang="en-US" sz="1600" dirty="0" smtClean="0">
+                <a:latin typeface="Courier"/>
+              </a:rPr>
+              <a:t>"</a:t>
+            </a:r>
+            <a:br>
+              <a:rPr lang="en-US" sz="1600" dirty="0" smtClean="0">
+                <a:latin typeface="Courier"/>
+              </a:rPr>
+            </a:br>
+            <a:r>
+              <a:rPr lang="en-US" sz="1600" dirty="0" smtClean="0">
+                <a:latin typeface="Courier"/>
+              </a:rPr>
+              <a:t>        android:id="@+id/backFragment"</a:t>
+            </a:r>
+            <a:br>
+              <a:rPr lang="en-US" sz="1600" dirty="0" smtClean="0">
+                <a:latin typeface="Courier"/>
+              </a:rPr>
+            </a:br>
+            <a:r>
+              <a:rPr lang="en-US" sz="1600" dirty="0" smtClean="0">
+                <a:latin typeface="Courier"/>
+              </a:rPr>
+              <a:t>        android:layout_width="match_parent"</a:t>
+            </a:r>
+            <a:br>
+              <a:rPr lang="en-US" sz="1600" dirty="0" smtClean="0">
+                <a:latin typeface="Courier"/>
+              </a:rPr>
+            </a:br>
+            <a:r>
+              <a:rPr lang="en-US" sz="1600" dirty="0" smtClean="0">
+                <a:latin typeface="Courier"/>
+              </a:rPr>
+              <a:t>        android:layout_height="wrap_content" </a:t>
+            </a:r>
+            <a:br>
+              <a:rPr lang="en-US" sz="1600" dirty="0" smtClean="0">
+                <a:latin typeface="Courier"/>
+              </a:rPr>
+            </a:br>
+            <a:r>
+              <a:rPr lang="en-US" sz="1600" dirty="0" smtClean="0">
+                <a:latin typeface="Courier"/>
+              </a:rPr>
+              <a:t>        android:layout_weight="1"/&gt;</a:t>
+            </a:r>
+            <a:br>
+              <a:rPr lang="en-US" sz="1600" dirty="0" smtClean="0">
+                <a:latin typeface="Courier"/>
+              </a:rPr>
+            </a:br>
+            <a:endParaRPr lang="en-US" sz="1600" dirty="0"/>
           </a:p>
         </p:txBody>
       </p:sp>
     </p:spTree>
     <p:extLst>
       <p:ext uri="{BB962C8B-B14F-4D97-AF65-F5344CB8AC3E}">
-        <p14:creationId xmlns:p14="http://schemas.microsoft.com/office/powerpoint/2010/main" val="3739829172"/>
+        <p14:creationId xmlns:p14="http://schemas.microsoft.com/office/powerpoint/2010/main" val="4162086736"/>
       </p:ext>
     </p:extLst>
   </p:cSld>
@@ -8052,64 +7849,35 @@
           <a:p>
             <a:r>
               <a:rPr lang="en-US" dirty="0" smtClean="0"/>
-              <a:t>Add Code for Dual-Pane Layout</a:t>
+              <a:t>Activity and Fragment Layouts</a:t>
             </a:r>
             <a:endParaRPr lang="en-US" dirty="0"/>
           </a:p>
         </p:txBody>
       </p:sp>
-      <p:sp>
-        <p:nvSpPr>
-          <p:cNvPr id="3" name="Content Placeholder 2"/>
-          <p:cNvSpPr>
-            <a:spLocks noGrp="1"/>
-          </p:cNvSpPr>
+      <p:pic>
+        <p:nvPicPr>
+          <p:cNvPr id="4" name="Content Placeholder 3"/>
+          <p:cNvPicPr>
+            <a:picLocks noGrp="1" noChangeAspect="1"/>
+          </p:cNvPicPr>
           <p:nvPr>
             <p:ph idx="1"/>
           </p:nvPr>
-        </p:nvSpPr>
+        </p:nvPicPr>
+        <p:blipFill>
+          <a:blip r:embed="rId2"/>
+          <a:srcRect l="-48018" r="-48018"/>
+          <a:stretch>
+            <a:fillRect/>
+          </a:stretch>
+        </p:blipFill>
         <p:spPr/>
-        <p:txBody>
-          <a:bodyPr>
-            <a:normAutofit lnSpcReduction="10000"/>
-          </a:bodyPr>
-          <a:lstStyle/>
-          <a:p>
-            <a:r>
-              <a:rPr lang="en-US" dirty="0" smtClean="0"/>
-              <a:t>In the dual-pane layout you need to do the things that would have been done by the second activity.</a:t>
-            </a:r>
-          </a:p>
-          <a:p>
-            <a:r>
-              <a:rPr lang="en-US" dirty="0" smtClean="0"/>
-              <a:t>For MathFlashCards, you need to:</a:t>
-            </a:r>
-          </a:p>
-          <a:p>
-            <a:pPr lvl="1"/>
-            <a:r>
-              <a:rPr lang="en-US" dirty="0" smtClean="0"/>
-              <a:t>Handle the Show Answer button differently</a:t>
-            </a:r>
-          </a:p>
-          <a:p>
-            <a:pPr lvl="1"/>
-            <a:r>
-              <a:rPr lang="en-US" dirty="0" smtClean="0"/>
-              <a:t>Handle the Show Front button</a:t>
-            </a:r>
-          </a:p>
-          <a:p>
-            <a:pPr lvl="1"/>
-            <a:endParaRPr lang="en-US" dirty="0"/>
-          </a:p>
-        </p:txBody>
-      </p:sp>
+      </p:pic>
     </p:spTree>
     <p:extLst>
       <p:ext uri="{BB962C8B-B14F-4D97-AF65-F5344CB8AC3E}">
-        <p14:creationId xmlns:p14="http://schemas.microsoft.com/office/powerpoint/2010/main" val="1283848282"/>
+        <p14:creationId xmlns:p14="http://schemas.microsoft.com/office/powerpoint/2010/main" val="3545908380"/>
       </p:ext>
     </p:extLst>
   </p:cSld>
@@ -8148,14 +7916,16 @@
         </p:nvSpPr>
         <p:spPr/>
         <p:txBody>
-          <a:bodyPr/>
+          <a:bodyPr>
+            <a:normAutofit/>
+          </a:bodyPr>
           <a:lstStyle/>
           <a:p>
             <a:r>
-              <a:rPr lang="en-US" smtClean="0"/>
-              <a:t>Show Answer Button</a:t>
-            </a:r>
-            <a:endParaRPr lang="en-US"/>
+              <a:rPr lang="en-US" dirty="0" smtClean="0"/>
+              <a:t>Add Code to Detect Layout</a:t>
+            </a:r>
+            <a:endParaRPr lang="en-US" dirty="0"/>
           </a:p>
         </p:txBody>
       </p:sp>
@@ -8169,187 +7939,240 @@
             <p:ph idx="1"/>
           </p:nvPr>
         </p:nvSpPr>
-        <p:spPr>
-          <a:xfrm>
-            <a:off x="313957" y="1600200"/>
-            <a:ext cx="8619549" cy="4877890"/>
-          </a:xfrm>
-        </p:spPr>
+        <p:spPr/>
         <p:txBody>
           <a:bodyPr>
-            <a:noAutofit/>
+            <a:normAutofit fontScale="70000" lnSpcReduction="20000"/>
           </a:bodyPr>
           <a:lstStyle/>
           <a:p>
             <a:pPr marL="0" indent="0">
-              <a:lnSpc>
-                <a:spcPct val="100000"/>
-              </a:lnSpc>
               <a:buNone/>
             </a:pPr>
             <a:r>
-              <a:rPr lang="en-US" sz="2400" dirty="0" smtClean="0">
+              <a:rPr lang="en-US" i="1" dirty="0">
                 <a:latin typeface="Courier"/>
                 <a:cs typeface="Courier"/>
               </a:rPr>
-              <a:t>showAnswerButton.Click += delegate {</a:t>
-            </a:r>
-            <a:br>
-              <a:rPr lang="en-US" sz="2400" dirty="0" smtClean="0">
+              <a:t>// See if we're loading two </a:t>
+            </a:r>
+            <a:r>
+              <a:rPr lang="en-US" i="1" dirty="0" smtClean="0">
                 <a:latin typeface="Courier"/>
                 <a:cs typeface="Courier"/>
               </a:rPr>
-            </a:br>
-            <a:r>
-              <a:rPr lang="en-US" sz="2400" dirty="0" smtClean="0">
+              <a:t>fragments</a:t>
+            </a:r>
+            <a:r>
+              <a:rPr lang="en-US" dirty="0">
                 <a:latin typeface="Courier"/>
                 <a:cs typeface="Courier"/>
               </a:rPr>
-              <a:t>   if(isDualPane)                   {</a:t>
-            </a:r>
-            <a:br>
-              <a:rPr lang="en-US" sz="2400" dirty="0" smtClean="0">
-                <a:latin typeface="Courier"/>
-                <a:cs typeface="Courier"/>
-              </a:rPr>
-            </a:br>
-            <a:r>
-              <a:rPr lang="en-US" sz="2400" dirty="0" smtClean="0">
-                <a:latin typeface="Courier"/>
-                <a:cs typeface="Courier"/>
-              </a:rPr>
-              <a:t>      answerTextView.Text =</a:t>
-            </a:r>
-            <a:br>
-              <a:rPr lang="en-US" sz="2400" dirty="0" smtClean="0">
-                <a:latin typeface="Courier"/>
-                <a:cs typeface="Courier"/>
-              </a:rPr>
-            </a:br>
-            <a:r>
-              <a:rPr lang="en-US" sz="2400" dirty="0" smtClean="0">
-                <a:latin typeface="Courier"/>
-                <a:cs typeface="Courier"/>
-              </a:rPr>
-              <a:t>                   quiz.CalcSum().ToString();</a:t>
-            </a:r>
-            <a:br>
-              <a:rPr lang="en-US" sz="2400" dirty="0" smtClean="0">
-                <a:latin typeface="Courier"/>
-                <a:cs typeface="Courier"/>
-              </a:rPr>
-            </a:br>
-            <a:r>
-              <a:rPr lang="en-US" sz="2400" dirty="0" smtClean="0">
-                <a:latin typeface="Courier"/>
-                <a:cs typeface="Courier"/>
-              </a:rPr>
-              <a:t>   }</a:t>
-            </a:r>
-            <a:br>
-              <a:rPr lang="en-US" sz="2400" dirty="0" smtClean="0">
-                <a:latin typeface="Courier"/>
-                <a:cs typeface="Courier"/>
-              </a:rPr>
-            </a:br>
-            <a:r>
-              <a:rPr lang="en-US" sz="2400" dirty="0" smtClean="0">
-                <a:latin typeface="Courier"/>
-                <a:cs typeface="Courier"/>
-              </a:rPr>
-              <a:t>   else {</a:t>
-            </a:r>
-            <a:br>
-              <a:rPr lang="en-US" sz="2400" dirty="0" smtClean="0">
-                <a:latin typeface="Courier"/>
-                <a:cs typeface="Courier"/>
-              </a:rPr>
-            </a:br>
-            <a:r>
-              <a:rPr lang="en-US" sz="2400" dirty="0" smtClean="0">
-                <a:latin typeface="Courier"/>
-                <a:cs typeface="Courier"/>
-              </a:rPr>
-              <a:t>     var back = </a:t>
-            </a:r>
-            <a:br>
-              <a:rPr lang="en-US" sz="2400" dirty="0" smtClean="0">
-                <a:latin typeface="Courier"/>
-                <a:cs typeface="Courier"/>
-              </a:rPr>
-            </a:br>
-            <a:r>
-              <a:rPr lang="en-US" sz="2400" dirty="0" smtClean="0">
-                <a:latin typeface="Courier"/>
-                <a:cs typeface="Courier"/>
-              </a:rPr>
-              <a:t>       new Intent(this, typeof(BackActivity));</a:t>
-            </a:r>
-            <a:br>
-              <a:rPr lang="en-US" sz="2400" dirty="0" smtClean="0">
-                <a:latin typeface="Courier"/>
-                <a:cs typeface="Courier"/>
-              </a:rPr>
-            </a:br>
-            <a:r>
-              <a:rPr lang="en-US" sz="2400" dirty="0" smtClean="0">
-                <a:latin typeface="Courier"/>
-                <a:cs typeface="Courier"/>
-              </a:rPr>
-              <a:t>     back.PutExtra("Answer", quiz.CalcSum());</a:t>
-            </a:r>
-            <a:br>
-              <a:rPr lang="en-US" sz="2400" dirty="0" smtClean="0">
-                <a:latin typeface="Courier"/>
-                <a:cs typeface="Courier"/>
-              </a:rPr>
-            </a:br>
-            <a:r>
-              <a:rPr lang="en-US" sz="2400" dirty="0" smtClean="0">
-                <a:latin typeface="Courier"/>
-                <a:cs typeface="Courier"/>
-              </a:rPr>
-              <a:t>     StartActivity(back);</a:t>
-            </a:r>
-            <a:br>
-              <a:rPr lang="en-US" sz="2400" dirty="0" smtClean="0">
-                <a:latin typeface="Courier"/>
-                <a:cs typeface="Courier"/>
-              </a:rPr>
-            </a:br>
-            <a:r>
-              <a:rPr lang="en-US" sz="2400" dirty="0" smtClean="0">
-                <a:latin typeface="Courier"/>
-                <a:cs typeface="Courier"/>
-              </a:rPr>
-              <a:t>   } </a:t>
-            </a:r>
-          </a:p>
-          <a:p>
-            <a:pPr marL="0" indent="0">
-              <a:lnSpc>
-                <a:spcPct val="100000"/>
-              </a:lnSpc>
-              <a:buNone/>
-            </a:pPr>
-            <a:r>
-              <a:rPr lang="en-US" sz="2400" dirty="0" smtClean="0">
-                <a:latin typeface="Courier"/>
-                <a:cs typeface="Courier"/>
-              </a:rPr>
-              <a:t>}; </a:t>
-            </a:r>
-            <a:endParaRPr lang="en-US" sz="2400" dirty="0">
+              <a:t> </a:t>
+            </a:r>
+            <a:endParaRPr lang="en-US" dirty="0" smtClean="0">
               <a:latin typeface="Courier"/>
               <a:cs typeface="Courier"/>
             </a:endParaRPr>
           </a:p>
+          <a:p>
+            <a:pPr marL="0" indent="0">
+              <a:buNone/>
+            </a:pPr>
+            <a:r>
+              <a:rPr lang="en-US" dirty="0" smtClean="0">
+                <a:latin typeface="Courier"/>
+                <a:cs typeface="Courier"/>
+              </a:rPr>
+              <a:t>bool </a:t>
+            </a:r>
+            <a:r>
+              <a:rPr lang="en-US" dirty="0">
+                <a:latin typeface="Courier"/>
+                <a:cs typeface="Courier"/>
+              </a:rPr>
+              <a:t> isDualPane = false</a:t>
+            </a:r>
+            <a:r>
+              <a:rPr lang="en-US" dirty="0" smtClean="0">
+                <a:latin typeface="Courier"/>
+                <a:cs typeface="Courier"/>
+              </a:rPr>
+              <a:t>;</a:t>
+            </a:r>
+            <a:endParaRPr lang="en-US" dirty="0">
+              <a:latin typeface="Courier"/>
+              <a:cs typeface="Courier"/>
+            </a:endParaRPr>
+          </a:p>
+          <a:p>
+            <a:pPr marL="0" indent="0">
+              <a:buNone/>
+            </a:pPr>
+            <a:r>
+              <a:rPr lang="en-US" i="1" dirty="0" smtClean="0">
+                <a:latin typeface="Courier"/>
+                <a:cs typeface="Courier"/>
+              </a:rPr>
+              <a:t>/</a:t>
+            </a:r>
+            <a:r>
+              <a:rPr lang="en-US" i="1" dirty="0">
+                <a:latin typeface="Courier"/>
+                <a:cs typeface="Courier"/>
+              </a:rPr>
+              <a:t>/ Only the dual pane layout has a </a:t>
+            </a:r>
+            <a:r>
+              <a:rPr lang="en-US" i="1" dirty="0" smtClean="0">
+                <a:latin typeface="Courier"/>
+                <a:cs typeface="Courier"/>
+              </a:rPr>
+              <a:t>reset</a:t>
+            </a:r>
+            <a:r>
+              <a:rPr lang="en-US" i="1" dirty="0">
+                <a:latin typeface="Courier"/>
+                <a:cs typeface="Courier"/>
+              </a:rPr>
+              <a:t> button</a:t>
+            </a:r>
+            <a:r>
+              <a:rPr lang="en-US" dirty="0">
+                <a:latin typeface="Courier"/>
+                <a:cs typeface="Courier"/>
+              </a:rPr>
+              <a:t/>
+            </a:r>
+            <a:br>
+              <a:rPr lang="en-US" dirty="0">
+                <a:latin typeface="Courier"/>
+                <a:cs typeface="Courier"/>
+              </a:rPr>
+            </a:br>
+            <a:r>
+              <a:rPr lang="en-US" dirty="0" smtClean="0">
+                <a:latin typeface="Courier"/>
+                <a:cs typeface="Courier"/>
+              </a:rPr>
+              <a:t>var</a:t>
+            </a:r>
+            <a:r>
+              <a:rPr lang="en-US" dirty="0">
+                <a:latin typeface="Courier"/>
+                <a:cs typeface="Courier"/>
+              </a:rPr>
+              <a:t> </a:t>
+            </a:r>
+            <a:r>
+              <a:rPr lang="en-US" dirty="0" smtClean="0">
+                <a:latin typeface="Courier"/>
+                <a:cs typeface="Courier"/>
+              </a:rPr>
+              <a:t>resetButton</a:t>
+            </a:r>
+            <a:r>
+              <a:rPr lang="en-US" dirty="0">
+                <a:latin typeface="Courier"/>
+                <a:cs typeface="Courier"/>
+              </a:rPr>
+              <a:t> = </a:t>
+            </a:r>
+            <a:r>
+              <a:rPr lang="en-US" dirty="0" smtClean="0">
+                <a:latin typeface="Courier"/>
+                <a:cs typeface="Courier"/>
+              </a:rPr>
+              <a:t/>
+            </a:r>
+            <a:br>
+              <a:rPr lang="en-US" dirty="0" smtClean="0">
+                <a:latin typeface="Courier"/>
+                <a:cs typeface="Courier"/>
+              </a:rPr>
+            </a:br>
+            <a:r>
+              <a:rPr lang="en-US" dirty="0" smtClean="0">
+                <a:latin typeface="Courier"/>
+                <a:cs typeface="Courier"/>
+              </a:rPr>
+              <a:t>FindViewById</a:t>
+            </a:r>
+            <a:r>
+              <a:rPr lang="en-US" dirty="0">
+                <a:latin typeface="Courier"/>
+                <a:cs typeface="Courier"/>
+              </a:rPr>
+              <a:t>&lt;Button</a:t>
+            </a:r>
+            <a:r>
+              <a:rPr lang="en-US" dirty="0" smtClean="0">
+                <a:latin typeface="Courier"/>
+                <a:cs typeface="Courier"/>
+              </a:rPr>
+              <a:t>&gt;(Resource.Id.resetButton</a:t>
+            </a:r>
+            <a:r>
+              <a:rPr lang="en-US" dirty="0">
+                <a:latin typeface="Courier"/>
+                <a:cs typeface="Courier"/>
+              </a:rPr>
+              <a:t>);</a:t>
+            </a:r>
+            <a:br>
+              <a:rPr lang="en-US" dirty="0">
+                <a:latin typeface="Courier"/>
+                <a:cs typeface="Courier"/>
+              </a:rPr>
+            </a:br>
+            <a:r>
+              <a:rPr lang="en-US" dirty="0" smtClean="0">
+                <a:latin typeface="Courier"/>
+                <a:cs typeface="Courier"/>
+              </a:rPr>
+              <a:t>if</a:t>
+            </a:r>
+            <a:r>
+              <a:rPr lang="en-US" dirty="0">
+                <a:latin typeface="Courier"/>
+                <a:cs typeface="Courier"/>
+              </a:rPr>
+              <a:t> </a:t>
+            </a:r>
+            <a:r>
+              <a:rPr lang="en-US" dirty="0" smtClean="0">
+                <a:latin typeface="Courier"/>
+                <a:cs typeface="Courier"/>
+              </a:rPr>
+              <a:t>(resetButton</a:t>
+            </a:r>
+            <a:r>
+              <a:rPr lang="en-US" dirty="0">
+                <a:latin typeface="Courier"/>
+                <a:cs typeface="Courier"/>
+              </a:rPr>
+              <a:t> != null)</a:t>
+            </a:r>
+            <a:br>
+              <a:rPr lang="en-US" dirty="0">
+                <a:latin typeface="Courier"/>
+                <a:cs typeface="Courier"/>
+              </a:rPr>
+            </a:br>
+            <a:r>
+              <a:rPr lang="en-US" dirty="0">
+                <a:latin typeface="Courier"/>
+                <a:cs typeface="Courier"/>
+              </a:rPr>
+              <a:t>     isDualPane = true; </a:t>
+            </a:r>
+          </a:p>
         </p:txBody>
       </p:sp>
     </p:spTree>
     <p:extLst>
       <p:ext uri="{BB962C8B-B14F-4D97-AF65-F5344CB8AC3E}">
-        <p14:creationId xmlns:p14="http://schemas.microsoft.com/office/powerpoint/2010/main" val="3185954121"/>
+        <p14:creationId xmlns:p14="http://schemas.microsoft.com/office/powerpoint/2010/main" val="3739829172"/>
       </p:ext>
     </p:extLst>
   </p:cSld>
@@ -8388,12 +8211,14 @@
         </p:nvSpPr>
         <p:spPr/>
         <p:txBody>
-          <a:bodyPr/>
+          <a:bodyPr>
+            <a:normAutofit fontScale="90000"/>
+          </a:bodyPr>
           <a:lstStyle/>
           <a:p>
             <a:r>
               <a:rPr lang="en-US" dirty="0" smtClean="0"/>
-              <a:t>Show Front Button</a:t>
+              <a:t>Add Code for Dual-Pane Layout</a:t>
             </a:r>
             <a:endParaRPr lang="en-US" dirty="0"/>
           </a:p>
@@ -8412,108 +8237,45 @@
         <p:spPr/>
         <p:txBody>
           <a:bodyPr>
-            <a:normAutofit fontScale="85000" lnSpcReduction="20000"/>
+            <a:normAutofit lnSpcReduction="10000"/>
           </a:bodyPr>
           <a:lstStyle/>
           <a:p>
             <a:r>
               <a:rPr lang="en-US" dirty="0" smtClean="0"/>
-              <a:t>Change the Button text to “New Problem”</a:t>
-            </a:r>
-          </a:p>
-          <a:p>
-            <a:r>
-              <a:rPr lang="en-US" dirty="0" smtClean="0">
-                <a:latin typeface="Courier"/>
-                <a:cs typeface="Courier"/>
-              </a:rPr>
-              <a:t>if (resetButton != null {</a:t>
-            </a:r>
-            <a:br>
-              <a:rPr lang="en-US" dirty="0" smtClean="0">
-                <a:latin typeface="Courier"/>
-                <a:cs typeface="Courier"/>
-              </a:rPr>
-            </a:br>
-            <a:r>
-              <a:rPr lang="en-US" dirty="0" smtClean="0">
-                <a:latin typeface="Courier"/>
-                <a:cs typeface="Courier"/>
-              </a:rPr>
-              <a:t>  isDualPane = true;</a:t>
-            </a:r>
-            <a:br>
-              <a:rPr lang="en-US" dirty="0" smtClean="0">
-                <a:latin typeface="Courier"/>
-                <a:cs typeface="Courier"/>
-              </a:rPr>
-            </a:br>
-            <a:r>
-              <a:rPr lang="en-US" dirty="0" smtClean="0">
-                <a:latin typeface="Courier"/>
-                <a:cs typeface="Courier"/>
-              </a:rPr>
-              <a:t>  resetButton.Click += delegate {</a:t>
-            </a:r>
-            <a:br>
-              <a:rPr lang="en-US" dirty="0" smtClean="0">
-                <a:latin typeface="Courier"/>
-                <a:cs typeface="Courier"/>
-              </a:rPr>
-            </a:br>
-            <a:r>
-              <a:rPr lang="en-US" dirty="0" smtClean="0">
-                <a:latin typeface="Courier"/>
-                <a:cs typeface="Courier"/>
-              </a:rPr>
-              <a:t>    answerTextView.Text = "";</a:t>
-            </a:r>
-            <a:br>
-              <a:rPr lang="en-US" dirty="0" smtClean="0">
-                <a:latin typeface="Courier"/>
-                <a:cs typeface="Courier"/>
-              </a:rPr>
-            </a:br>
-            <a:r>
-              <a:rPr lang="en-US" dirty="0" smtClean="0">
-                <a:latin typeface="Courier"/>
-                <a:cs typeface="Courier"/>
-              </a:rPr>
-              <a:t>    ShowNewQuestion();</a:t>
-            </a:r>
-            <a:br>
-              <a:rPr lang="en-US" dirty="0" smtClean="0">
-                <a:latin typeface="Courier"/>
-                <a:cs typeface="Courier"/>
-              </a:rPr>
-            </a:br>
-            <a:r>
-              <a:rPr lang="en-US" dirty="0" smtClean="0">
-                <a:latin typeface="Courier"/>
-                <a:cs typeface="Courier"/>
-              </a:rPr>
-              <a:t>  };</a:t>
-            </a:r>
-            <a:br>
-              <a:rPr lang="en-US" dirty="0" smtClean="0">
-                <a:latin typeface="Courier"/>
-                <a:cs typeface="Courier"/>
-              </a:rPr>
-            </a:br>
-            <a:r>
-              <a:rPr lang="en-US" dirty="0" smtClean="0">
-                <a:latin typeface="Courier"/>
-                <a:cs typeface="Courier"/>
-              </a:rPr>
-              <a:t>} </a:t>
-            </a:r>
+              <a:t>In the dual-pane layout you need to do the things that would have been done by the second activity.</a:t>
+            </a:r>
+          </a:p>
+          <a:p>
+            <a:r>
+              <a:rPr lang="en-US" dirty="0" smtClean="0"/>
+              <a:t>For MathFlashCards, you need to:</a:t>
+            </a:r>
+          </a:p>
+          <a:p>
+            <a:pPr lvl="1"/>
+            <a:r>
+              <a:rPr lang="en-US" dirty="0" smtClean="0"/>
+              <a:t>Handle the Show Answer button differently</a:t>
+            </a:r>
+          </a:p>
+          <a:p>
+            <a:pPr lvl="1"/>
+            <a:r>
+              <a:rPr lang="en-US" dirty="0" smtClean="0"/>
+              <a:t>Handle the Show Front button</a:t>
+            </a:r>
+          </a:p>
+          <a:p>
+            <a:pPr lvl="1"/>
+            <a:endParaRPr lang="en-US" dirty="0"/>
           </a:p>
         </p:txBody>
       </p:sp>
     </p:spTree>
     <p:extLst>
       <p:ext uri="{BB962C8B-B14F-4D97-AF65-F5344CB8AC3E}">
-        <p14:creationId xmlns:p14="http://schemas.microsoft.com/office/powerpoint/2010/main" val="3449466799"/>
+        <p14:creationId xmlns:p14="http://schemas.microsoft.com/office/powerpoint/2010/main" val="1283848282"/>
       </p:ext>
     </p:extLst>
   </p:cSld>
@@ -8637,6 +8399,410 @@
           <a:lstStyle/>
           <a:p>
             <a:r>
+              <a:rPr lang="en-US" smtClean="0"/>
+              <a:t>Show Answer Button</a:t>
+            </a:r>
+            <a:endParaRPr lang="en-US"/>
+          </a:p>
+        </p:txBody>
+      </p:sp>
+      <p:sp>
+        <p:nvSpPr>
+          <p:cNvPr id="3" name="Content Placeholder 2"/>
+          <p:cNvSpPr>
+            <a:spLocks noGrp="1"/>
+          </p:cNvSpPr>
+          <p:nvPr>
+            <p:ph idx="1"/>
+          </p:nvPr>
+        </p:nvSpPr>
+        <p:spPr>
+          <a:xfrm>
+            <a:off x="313957" y="1600200"/>
+            <a:ext cx="8619549" cy="4877890"/>
+          </a:xfrm>
+        </p:spPr>
+        <p:txBody>
+          <a:bodyPr>
+            <a:noAutofit/>
+          </a:bodyPr>
+          <a:lstStyle/>
+          <a:p>
+            <a:pPr marL="0" indent="0">
+              <a:lnSpc>
+                <a:spcPct val="100000"/>
+              </a:lnSpc>
+              <a:buNone/>
+            </a:pPr>
+            <a:r>
+              <a:rPr lang="en-US" sz="2400" dirty="0" smtClean="0">
+                <a:latin typeface="Courier"/>
+                <a:cs typeface="Courier"/>
+              </a:rPr>
+              <a:t>showAnswerButton.Click += delegate {</a:t>
+            </a:r>
+            <a:br>
+              <a:rPr lang="en-US" sz="2400" dirty="0" smtClean="0">
+                <a:latin typeface="Courier"/>
+                <a:cs typeface="Courier"/>
+              </a:rPr>
+            </a:br>
+            <a:r>
+              <a:rPr lang="en-US" sz="2400" dirty="0" smtClean="0">
+                <a:latin typeface="Courier"/>
+                <a:cs typeface="Courier"/>
+              </a:rPr>
+              <a:t>   if(isDualPane)                   {</a:t>
+            </a:r>
+            <a:br>
+              <a:rPr lang="en-US" sz="2400" dirty="0" smtClean="0">
+                <a:latin typeface="Courier"/>
+                <a:cs typeface="Courier"/>
+              </a:rPr>
+            </a:br>
+            <a:r>
+              <a:rPr lang="en-US" sz="2400" dirty="0" smtClean="0">
+                <a:latin typeface="Courier"/>
+                <a:cs typeface="Courier"/>
+              </a:rPr>
+              <a:t>      answerTextView.Text =</a:t>
+            </a:r>
+            <a:br>
+              <a:rPr lang="en-US" sz="2400" dirty="0" smtClean="0">
+                <a:latin typeface="Courier"/>
+                <a:cs typeface="Courier"/>
+              </a:rPr>
+            </a:br>
+            <a:r>
+              <a:rPr lang="en-US" sz="2400" dirty="0" smtClean="0">
+                <a:latin typeface="Courier"/>
+                <a:cs typeface="Courier"/>
+              </a:rPr>
+              <a:t>                   quiz.CalcSum().ToString();</a:t>
+            </a:r>
+            <a:br>
+              <a:rPr lang="en-US" sz="2400" dirty="0" smtClean="0">
+                <a:latin typeface="Courier"/>
+                <a:cs typeface="Courier"/>
+              </a:rPr>
+            </a:br>
+            <a:r>
+              <a:rPr lang="en-US" sz="2400" dirty="0" smtClean="0">
+                <a:latin typeface="Courier"/>
+                <a:cs typeface="Courier"/>
+              </a:rPr>
+              <a:t>   }</a:t>
+            </a:r>
+            <a:br>
+              <a:rPr lang="en-US" sz="2400" dirty="0" smtClean="0">
+                <a:latin typeface="Courier"/>
+                <a:cs typeface="Courier"/>
+              </a:rPr>
+            </a:br>
+            <a:r>
+              <a:rPr lang="en-US" sz="2400" dirty="0" smtClean="0">
+                <a:latin typeface="Courier"/>
+                <a:cs typeface="Courier"/>
+              </a:rPr>
+              <a:t>   else {</a:t>
+            </a:r>
+            <a:br>
+              <a:rPr lang="en-US" sz="2400" dirty="0" smtClean="0">
+                <a:latin typeface="Courier"/>
+                <a:cs typeface="Courier"/>
+              </a:rPr>
+            </a:br>
+            <a:r>
+              <a:rPr lang="en-US" sz="2400" dirty="0" smtClean="0">
+                <a:latin typeface="Courier"/>
+                <a:cs typeface="Courier"/>
+              </a:rPr>
+              <a:t>     var back = </a:t>
+            </a:r>
+            <a:br>
+              <a:rPr lang="en-US" sz="2400" dirty="0" smtClean="0">
+                <a:latin typeface="Courier"/>
+                <a:cs typeface="Courier"/>
+              </a:rPr>
+            </a:br>
+            <a:r>
+              <a:rPr lang="en-US" sz="2400" dirty="0" smtClean="0">
+                <a:latin typeface="Courier"/>
+                <a:cs typeface="Courier"/>
+              </a:rPr>
+              <a:t>       new Intent(this, typeof(BackActivity));</a:t>
+            </a:r>
+            <a:br>
+              <a:rPr lang="en-US" sz="2400" dirty="0" smtClean="0">
+                <a:latin typeface="Courier"/>
+                <a:cs typeface="Courier"/>
+              </a:rPr>
+            </a:br>
+            <a:r>
+              <a:rPr lang="en-US" sz="2400" dirty="0" smtClean="0">
+                <a:latin typeface="Courier"/>
+                <a:cs typeface="Courier"/>
+              </a:rPr>
+              <a:t>     back.PutExtra("Answer", quiz.CalcSum());</a:t>
+            </a:r>
+            <a:br>
+              <a:rPr lang="en-US" sz="2400" dirty="0" smtClean="0">
+                <a:latin typeface="Courier"/>
+                <a:cs typeface="Courier"/>
+              </a:rPr>
+            </a:br>
+            <a:r>
+              <a:rPr lang="en-US" sz="2400" dirty="0" smtClean="0">
+                <a:latin typeface="Courier"/>
+                <a:cs typeface="Courier"/>
+              </a:rPr>
+              <a:t>     StartActivity(back);</a:t>
+            </a:r>
+            <a:br>
+              <a:rPr lang="en-US" sz="2400" dirty="0" smtClean="0">
+                <a:latin typeface="Courier"/>
+                <a:cs typeface="Courier"/>
+              </a:rPr>
+            </a:br>
+            <a:r>
+              <a:rPr lang="en-US" sz="2400" dirty="0" smtClean="0">
+                <a:latin typeface="Courier"/>
+                <a:cs typeface="Courier"/>
+              </a:rPr>
+              <a:t>   } </a:t>
+            </a:r>
+          </a:p>
+          <a:p>
+            <a:pPr marL="0" indent="0">
+              <a:lnSpc>
+                <a:spcPct val="100000"/>
+              </a:lnSpc>
+              <a:buNone/>
+            </a:pPr>
+            <a:r>
+              <a:rPr lang="en-US" sz="2400" dirty="0" smtClean="0">
+                <a:latin typeface="Courier"/>
+                <a:cs typeface="Courier"/>
+              </a:rPr>
+              <a:t>}; </a:t>
+            </a:r>
+            <a:endParaRPr lang="en-US" sz="2400" dirty="0">
+              <a:latin typeface="Courier"/>
+              <a:cs typeface="Courier"/>
+            </a:endParaRPr>
+          </a:p>
+        </p:txBody>
+      </p:sp>
+    </p:spTree>
+    <p:extLst>
+      <p:ext uri="{BB962C8B-B14F-4D97-AF65-F5344CB8AC3E}">
+        <p14:creationId xmlns:p14="http://schemas.microsoft.com/office/powerpoint/2010/main" val="3185954121"/>
+      </p:ext>
+    </p:extLst>
+  </p:cSld>
+  <p:clrMapOvr>
+    <a:masterClrMapping/>
+  </p:clrMapOvr>
+</p:sld>
+</file>
+
+<file path=ppt/slides/slide21.xml><?xml version="1.0" encoding="utf-8"?>
+<p:sld xmlns:a="http://schemas.openxmlformats.org/drawingml/2006/main" xmlns:r="http://schemas.openxmlformats.org/officeDocument/2006/relationships" xmlns:p="http://schemas.openxmlformats.org/presentationml/2006/main">
+  <p:cSld>
+    <p:spTree>
+      <p:nvGrpSpPr>
+        <p:cNvPr id="1" name=""/>
+        <p:cNvGrpSpPr/>
+        <p:nvPr/>
+      </p:nvGrpSpPr>
+      <p:grpSpPr>
+        <a:xfrm>
+          <a:off x="0" y="0"/>
+          <a:ext cx="0" cy="0"/>
+          <a:chOff x="0" y="0"/>
+          <a:chExt cx="0" cy="0"/>
+        </a:xfrm>
+      </p:grpSpPr>
+      <p:sp>
+        <p:nvSpPr>
+          <p:cNvPr id="2" name="Title 1"/>
+          <p:cNvSpPr>
+            <a:spLocks noGrp="1"/>
+          </p:cNvSpPr>
+          <p:nvPr>
+            <p:ph type="title"/>
+          </p:nvPr>
+        </p:nvSpPr>
+        <p:spPr/>
+        <p:txBody>
+          <a:bodyPr/>
+          <a:lstStyle/>
+          <a:p>
+            <a:r>
+              <a:rPr lang="en-US" dirty="0" smtClean="0"/>
+              <a:t>Show Front Button</a:t>
+            </a:r>
+            <a:endParaRPr lang="en-US" dirty="0"/>
+          </a:p>
+        </p:txBody>
+      </p:sp>
+      <p:sp>
+        <p:nvSpPr>
+          <p:cNvPr id="3" name="Content Placeholder 2"/>
+          <p:cNvSpPr>
+            <a:spLocks noGrp="1"/>
+          </p:cNvSpPr>
+          <p:nvPr>
+            <p:ph idx="1"/>
+          </p:nvPr>
+        </p:nvSpPr>
+        <p:spPr/>
+        <p:txBody>
+          <a:bodyPr>
+            <a:normAutofit fontScale="85000" lnSpcReduction="20000"/>
+          </a:bodyPr>
+          <a:lstStyle/>
+          <a:p>
+            <a:r>
+              <a:rPr lang="en-US" dirty="0" smtClean="0"/>
+              <a:t>Change the Button text to “New Problem”</a:t>
+            </a:r>
+          </a:p>
+          <a:p>
+            <a:r>
+              <a:rPr lang="en-US" dirty="0" smtClean="0">
+                <a:latin typeface="Courier"/>
+                <a:cs typeface="Courier"/>
+              </a:rPr>
+              <a:t>if (resetButton != null {</a:t>
+            </a:r>
+            <a:br>
+              <a:rPr lang="en-US" dirty="0" smtClean="0">
+                <a:latin typeface="Courier"/>
+                <a:cs typeface="Courier"/>
+              </a:rPr>
+            </a:br>
+            <a:r>
+              <a:rPr lang="en-US" dirty="0" smtClean="0">
+                <a:latin typeface="Courier"/>
+                <a:cs typeface="Courier"/>
+              </a:rPr>
+              <a:t>  isDualPane = true;</a:t>
+            </a:r>
+            <a:br>
+              <a:rPr lang="en-US" dirty="0" smtClean="0">
+                <a:latin typeface="Courier"/>
+                <a:cs typeface="Courier"/>
+              </a:rPr>
+            </a:br>
+            <a:r>
+              <a:rPr lang="en-US" dirty="0" smtClean="0">
+                <a:latin typeface="Courier"/>
+                <a:cs typeface="Courier"/>
+              </a:rPr>
+              <a:t>  resetButton.Click += delegate {</a:t>
+            </a:r>
+            <a:br>
+              <a:rPr lang="en-US" dirty="0" smtClean="0">
+                <a:latin typeface="Courier"/>
+                <a:cs typeface="Courier"/>
+              </a:rPr>
+            </a:br>
+            <a:r>
+              <a:rPr lang="en-US" dirty="0" smtClean="0">
+                <a:latin typeface="Courier"/>
+                <a:cs typeface="Courier"/>
+              </a:rPr>
+              <a:t>    answerTextView.Text = "";</a:t>
+            </a:r>
+            <a:br>
+              <a:rPr lang="en-US" dirty="0" smtClean="0">
+                <a:latin typeface="Courier"/>
+                <a:cs typeface="Courier"/>
+              </a:rPr>
+            </a:br>
+            <a:r>
+              <a:rPr lang="en-US" dirty="0" smtClean="0">
+                <a:latin typeface="Courier"/>
+                <a:cs typeface="Courier"/>
+              </a:rPr>
+              <a:t>    ShowNewQuestion();</a:t>
+            </a:r>
+            <a:br>
+              <a:rPr lang="en-US" dirty="0" smtClean="0">
+                <a:latin typeface="Courier"/>
+                <a:cs typeface="Courier"/>
+              </a:rPr>
+            </a:br>
+            <a:r>
+              <a:rPr lang="en-US" dirty="0" smtClean="0">
+                <a:latin typeface="Courier"/>
+                <a:cs typeface="Courier"/>
+              </a:rPr>
+              <a:t>  };</a:t>
+            </a:r>
+            <a:br>
+              <a:rPr lang="en-US" dirty="0" smtClean="0">
+                <a:latin typeface="Courier"/>
+                <a:cs typeface="Courier"/>
+              </a:rPr>
+            </a:br>
+            <a:r>
+              <a:rPr lang="en-US" dirty="0" smtClean="0">
+                <a:latin typeface="Courier"/>
+                <a:cs typeface="Courier"/>
+              </a:rPr>
+              <a:t>} </a:t>
+            </a:r>
+          </a:p>
+        </p:txBody>
+      </p:sp>
+    </p:spTree>
+    <p:extLst>
+      <p:ext uri="{BB962C8B-B14F-4D97-AF65-F5344CB8AC3E}">
+        <p14:creationId xmlns:p14="http://schemas.microsoft.com/office/powerpoint/2010/main" val="3449466799"/>
+      </p:ext>
+    </p:extLst>
+  </p:cSld>
+  <p:clrMapOvr>
+    <a:masterClrMapping/>
+  </p:clrMapOvr>
+</p:sld>
+</file>
+
+<file path=ppt/slides/slide22.xml><?xml version="1.0" encoding="utf-8"?>
+<p:sld xmlns:a="http://schemas.openxmlformats.org/drawingml/2006/main" xmlns:r="http://schemas.openxmlformats.org/officeDocument/2006/relationships" xmlns:p="http://schemas.openxmlformats.org/presentationml/2006/main">
+  <p:cSld>
+    <p:spTree>
+      <p:nvGrpSpPr>
+        <p:cNvPr id="1" name=""/>
+        <p:cNvGrpSpPr/>
+        <p:nvPr/>
+      </p:nvGrpSpPr>
+      <p:grpSpPr>
+        <a:xfrm>
+          <a:off x="0" y="0"/>
+          <a:ext cx="0" cy="0"/>
+          <a:chOff x="0" y="0"/>
+          <a:chExt cx="0" cy="0"/>
+        </a:xfrm>
+      </p:grpSpPr>
+      <p:sp>
+        <p:nvSpPr>
+          <p:cNvPr id="2" name="Title 1"/>
+          <p:cNvSpPr>
+            <a:spLocks noGrp="1"/>
+          </p:cNvSpPr>
+          <p:nvPr>
+            <p:ph type="title"/>
+          </p:nvPr>
+        </p:nvSpPr>
+        <p:spPr/>
+        <p:txBody>
+          <a:bodyPr/>
+          <a:lstStyle/>
+          <a:p>
+            <a:r>
               <a:rPr lang="en-US" dirty="0" smtClean="0"/>
               <a:t>Add a Landscape Layout</a:t>
             </a:r>
@@ -8716,7 +8882,7 @@
 </p:sld>
 </file>
 
-<file path=ppt/slides/slide21.xml><?xml version="1.0" encoding="utf-8"?>
+<file path=ppt/slides/slide23.xml><?xml version="1.0" encoding="utf-8"?>
 <p:sld xmlns:a="http://schemas.openxmlformats.org/drawingml/2006/main" xmlns:r="http://schemas.openxmlformats.org/officeDocument/2006/relationships" xmlns:p="http://schemas.openxmlformats.org/presentationml/2006/main">
   <p:cSld>
     <p:spTree>
@@ -9907,6 +10073,113 @@
       <p:bgPr>
         <a:solidFill>
           <a:schemeClr val="tx2">
+            <a:lumMod val="75000"/>
+          </a:schemeClr>
+        </a:solidFill>
+        <a:effectLst/>
+      </p:bgPr>
+    </p:bg>
+    <p:spTree>
+      <p:nvGrpSpPr>
+        <p:cNvPr id="1" name=""/>
+        <p:cNvGrpSpPr/>
+        <p:nvPr/>
+      </p:nvGrpSpPr>
+      <p:grpSpPr>
+        <a:xfrm>
+          <a:off x="0" y="0"/>
+          <a:ext cx="0" cy="0"/>
+          <a:chOff x="0" y="0"/>
+          <a:chExt cx="0" cy="0"/>
+        </a:xfrm>
+      </p:grpSpPr>
+      <p:sp>
+        <p:nvSpPr>
+          <p:cNvPr id="2" name="Title 1"/>
+          <p:cNvSpPr>
+            <a:spLocks noGrp="1"/>
+          </p:cNvSpPr>
+          <p:nvPr>
+            <p:ph type="title"/>
+          </p:nvPr>
+        </p:nvSpPr>
+        <p:spPr/>
+        <p:txBody>
+          <a:bodyPr/>
+          <a:lstStyle/>
+          <a:p>
+            <a:r>
+              <a:rPr lang="en-US" dirty="0" smtClean="0"/>
+              <a:t>Fragment Life-Cycle</a:t>
+            </a:r>
+            <a:endParaRPr lang="en-US" dirty="0"/>
+          </a:p>
+        </p:txBody>
+      </p:sp>
+      <p:pic>
+        <p:nvPicPr>
+          <p:cNvPr id="6" name="Content Placeholder 5"/>
+          <p:cNvPicPr>
+            <a:picLocks noGrp="1" noChangeAspect="1"/>
+          </p:cNvPicPr>
+          <p:nvPr>
+            <p:ph sz="half" idx="1"/>
+          </p:nvPr>
+        </p:nvPicPr>
+        <p:blipFill rotWithShape="1">
+          <a:blip r:embed="rId2"/>
+          <a:srcRect t="-672" b="46443"/>
+          <a:stretch/>
+        </p:blipFill>
+        <p:spPr>
+          <a:xfrm>
+            <a:off x="609600" y="1831219"/>
+            <a:ext cx="4038600" cy="4348119"/>
+          </a:xfrm>
+        </p:spPr>
+      </p:pic>
+      <p:pic>
+        <p:nvPicPr>
+          <p:cNvPr id="7" name="Content Placeholder 6"/>
+          <p:cNvPicPr>
+            <a:picLocks noGrp="1" noChangeAspect="1"/>
+          </p:cNvPicPr>
+          <p:nvPr>
+            <p:ph sz="half" idx="2"/>
+          </p:nvPr>
+        </p:nvPicPr>
+        <p:blipFill rotWithShape="1">
+          <a:blip r:embed="rId2"/>
+          <a:srcRect t="48688" b="-2610"/>
+          <a:stretch/>
+        </p:blipFill>
+        <p:spPr>
+          <a:xfrm>
+            <a:off x="4648200" y="2411448"/>
+            <a:ext cx="4038600" cy="4323483"/>
+          </a:xfrm>
+        </p:spPr>
+      </p:pic>
+    </p:spTree>
+    <p:extLst>
+      <p:ext uri="{BB962C8B-B14F-4D97-AF65-F5344CB8AC3E}">
+        <p14:creationId xmlns:p14="http://schemas.microsoft.com/office/powerpoint/2010/main" val="971516403"/>
+      </p:ext>
+    </p:extLst>
+  </p:cSld>
+  <p:clrMapOvr>
+    <a:masterClrMapping/>
+  </p:clrMapOvr>
+</p:sld>
+</file>
+
+<file path=ppt/slides/slide9.xml><?xml version="1.0" encoding="utf-8"?>
+<p:sld xmlns:a="http://schemas.openxmlformats.org/drawingml/2006/main" xmlns:r="http://schemas.openxmlformats.org/officeDocument/2006/relationships" xmlns:p="http://schemas.openxmlformats.org/presentationml/2006/main">
+  <p:cSld>
+    <p:bg>
+      <p:bgPr>
+        <a:solidFill>
+          <a:schemeClr val="tx2">
             <a:lumMod val="50000"/>
           </a:schemeClr>
         </a:solidFill>
@@ -9966,22 +10239,28 @@
       </p:sp>
       <p:pic>
         <p:nvPicPr>
-          <p:cNvPr id="4" name="Picture 3"/>
+          <p:cNvPr id="5" name="Picture 4"/>
           <p:cNvPicPr>
             <a:picLocks noChangeAspect="1"/>
           </p:cNvPicPr>
           <p:nvPr/>
         </p:nvPicPr>
         <p:blipFill>
-          <a:blip r:embed="rId2"/>
+          <a:blip r:embed="rId2">
+            <a:extLst>
+              <a:ext uri="{28A0092B-C50C-407E-A947-70E740481C1C}">
+                <a14:useLocalDpi xmlns:a14="http://schemas.microsoft.com/office/drawing/2010/main" val="0"/>
+              </a:ext>
+            </a:extLst>
+          </a:blip>
           <a:stretch>
             <a:fillRect/>
           </a:stretch>
         </p:blipFill>
         <p:spPr>
           <a:xfrm>
-            <a:off x="3506297" y="2750200"/>
-            <a:ext cx="2256970" cy="3761616"/>
+            <a:off x="3668486" y="2343250"/>
+            <a:ext cx="2123168" cy="3774521"/>
           </a:xfrm>
           <a:prstGeom prst="rect">
             <a:avLst/>
@@ -9992,85 +10271,6 @@
     <p:extLst>
       <p:ext uri="{BB962C8B-B14F-4D97-AF65-F5344CB8AC3E}">
         <p14:creationId xmlns:p14="http://schemas.microsoft.com/office/powerpoint/2010/main" val="3118496253"/>
-      </p:ext>
-    </p:extLst>
-  </p:cSld>
-  <p:clrMapOvr>
-    <a:masterClrMapping/>
-  </p:clrMapOvr>
-</p:sld>
-</file>
-
-<file path=ppt/slides/slide9.xml><?xml version="1.0" encoding="utf-8"?>
-<p:sld xmlns:a="http://schemas.openxmlformats.org/drawingml/2006/main" xmlns:r="http://schemas.openxmlformats.org/officeDocument/2006/relationships" xmlns:p="http://schemas.openxmlformats.org/presentationml/2006/main">
-  <p:cSld>
-    <p:spTree>
-      <p:nvGrpSpPr>
-        <p:cNvPr id="1" name=""/>
-        <p:cNvGrpSpPr/>
-        <p:nvPr/>
-      </p:nvGrpSpPr>
-      <p:grpSpPr>
-        <a:xfrm>
-          <a:off x="0" y="0"/>
-          <a:ext cx="0" cy="0"/>
-          <a:chOff x="0" y="0"/>
-          <a:chExt cx="0" cy="0"/>
-        </a:xfrm>
-      </p:grpSpPr>
-      <p:sp>
-        <p:nvSpPr>
-          <p:cNvPr id="2" name="Title 1"/>
-          <p:cNvSpPr>
-            <a:spLocks noGrp="1"/>
-          </p:cNvSpPr>
-          <p:nvPr>
-            <p:ph type="title"/>
-          </p:nvPr>
-        </p:nvSpPr>
-        <p:spPr/>
-        <p:txBody>
-          <a:bodyPr/>
-          <a:lstStyle/>
-          <a:p>
-            <a:r>
-              <a:rPr lang="en-US" dirty="0" smtClean="0"/>
-              <a:t>Mission</a:t>
-            </a:r>
-            <a:endParaRPr lang="en-US" dirty="0"/>
-          </a:p>
-        </p:txBody>
-      </p:sp>
-      <p:sp>
-        <p:nvSpPr>
-          <p:cNvPr id="3" name="Content Placeholder 2"/>
-          <p:cNvSpPr>
-            <a:spLocks noGrp="1"/>
-          </p:cNvSpPr>
-          <p:nvPr>
-            <p:ph idx="1"/>
-          </p:nvPr>
-        </p:nvSpPr>
-        <p:spPr/>
-        <p:txBody>
-          <a:bodyPr/>
-          <a:lstStyle/>
-          <a:p>
-            <a:pPr marL="0" indent="0">
-              <a:buNone/>
-            </a:pPr>
-            <a:r>
-              <a:rPr lang="en-US" dirty="0" smtClean="0"/>
-              <a:t>Modify the MathFlashCards project (which currently has two activities) to adapt to devices with both large and small screens.</a:t>
-            </a:r>
-            <a:endParaRPr lang="en-US" dirty="0"/>
-          </a:p>
-        </p:txBody>
-      </p:sp>
-    </p:spTree>
-    <p:extLst>
-      <p:ext uri="{BB962C8B-B14F-4D97-AF65-F5344CB8AC3E}">
-        <p14:creationId xmlns:p14="http://schemas.microsoft.com/office/powerpoint/2010/main" val="4202648703"/>
       </p:ext>
     </p:extLst>
   </p:cSld>
